--- a/EDA-iris/slide/slide-iris.pptx
+++ b/EDA-iris/slide/slide-iris.pptx
@@ -5,20 +5,21 @@
     <p:sldMasterId id="2147483648" r:id="rId1"/>
   </p:sldMasterIdLst>
   <p:notesMasterIdLst>
-    <p:notesMasterId r:id="rId7"/>
+    <p:notesMasterId r:id="rId4"/>
   </p:notesMasterIdLst>
+  <p:handoutMasterIdLst>
+    <p:handoutMasterId r:id="rId13"/>
+  </p:handoutMasterIdLst>
   <p:sldIdLst>
     <p:sldId id="256" r:id="rId3"/>
-    <p:sldId id="258" r:id="rId4"/>
-    <p:sldId id="267" r:id="rId5"/>
+    <p:sldId id="276" r:id="rId5"/>
     <p:sldId id="259" r:id="rId6"/>
-    <p:sldId id="260" r:id="rId8"/>
-    <p:sldId id="261" r:id="rId9"/>
-    <p:sldId id="262" r:id="rId10"/>
-    <p:sldId id="263" r:id="rId11"/>
-    <p:sldId id="264" r:id="rId12"/>
-    <p:sldId id="265" r:id="rId13"/>
-    <p:sldId id="266" r:id="rId14"/>
+    <p:sldId id="261" r:id="rId7"/>
+    <p:sldId id="262" r:id="rId8"/>
+    <p:sldId id="263" r:id="rId9"/>
+    <p:sldId id="264" r:id="rId10"/>
+    <p:sldId id="265" r:id="rId11"/>
+    <p:sldId id="266" r:id="rId12"/>
   </p:sldIdLst>
   <p:sldSz cx="12192000" cy="6858000"/>
   <p:notesSz cx="6858000" cy="9144000"/>
@@ -118,6 +119,164 @@
     </a:lvl9pPr>
   </p:defaultTextStyle>
 </p:presentation>
+</file>
+
+<file path=ppt/handoutMasters/handoutMaster1.xml><?xml version="1.0" encoding="utf-8"?>
+<p:handoutMaster xmlns:a="http://schemas.openxmlformats.org/drawingml/2006/main" xmlns:r="http://schemas.openxmlformats.org/officeDocument/2006/relationships" xmlns:p="http://schemas.openxmlformats.org/presentationml/2006/main">
+  <p:cSld>
+    <p:bg>
+      <p:bgRef idx="1001">
+        <a:schemeClr val="bg1"/>
+      </p:bgRef>
+    </p:bg>
+    <p:spTree>
+      <p:nvGrpSpPr>
+        <p:cNvPr id="1" name=""/>
+        <p:cNvGrpSpPr/>
+        <p:nvPr/>
+      </p:nvGrpSpPr>
+      <p:grpSpPr>
+        <a:xfrm>
+          <a:off x="0" y="0"/>
+          <a:ext cx="0" cy="0"/>
+          <a:chOff x="0" y="0"/>
+          <a:chExt cx="0" cy="0"/>
+        </a:xfrm>
+      </p:grpSpPr>
+      <p:sp>
+        <p:nvSpPr>
+          <p:cNvPr id="2" name="Header Placeholder 1"/>
+          <p:cNvSpPr>
+            <a:spLocks noGrp="true"/>
+          </p:cNvSpPr>
+          <p:nvPr>
+            <p:ph type="hdr" sz="quarter"/>
+          </p:nvPr>
+        </p:nvSpPr>
+        <p:spPr>
+          <a:xfrm>
+            <a:off x="0" y="0"/>
+            <a:ext cx="2971800" cy="458788"/>
+          </a:xfrm>
+          <a:prstGeom prst="rect">
+            <a:avLst/>
+          </a:prstGeom>
+        </p:spPr>
+        <p:txBody>
+          <a:bodyPr vert="horz" lIns="91440" tIns="45720" rIns="91440" bIns="45720" rtlCol="0"/>
+          <a:lstStyle>
+            <a:lvl1pPr algn="l">
+              <a:defRPr sz="1200"/>
+            </a:lvl1pPr>
+          </a:lstStyle>
+          <a:p>
+            <a:endParaRPr lang="en-US"/>
+          </a:p>
+        </p:txBody>
+      </p:sp>
+      <p:sp>
+        <p:nvSpPr>
+          <p:cNvPr id="3" name="Date Placeholder 2"/>
+          <p:cNvSpPr>
+            <a:spLocks noGrp="true"/>
+          </p:cNvSpPr>
+          <p:nvPr>
+            <p:ph type="dt" sz="quarter" idx="1"/>
+          </p:nvPr>
+        </p:nvSpPr>
+        <p:spPr>
+          <a:xfrm>
+            <a:off x="3884613" y="0"/>
+            <a:ext cx="2971800" cy="458788"/>
+          </a:xfrm>
+          <a:prstGeom prst="rect">
+            <a:avLst/>
+          </a:prstGeom>
+        </p:spPr>
+        <p:txBody>
+          <a:bodyPr vert="horz" lIns="91440" tIns="45720" rIns="91440" bIns="45720" rtlCol="0"/>
+          <a:lstStyle>
+            <a:lvl1pPr algn="r">
+              <a:defRPr sz="1200"/>
+            </a:lvl1pPr>
+          </a:lstStyle>
+          <a:p>
+            <a:fld id="{696C064A-D61B-4B21-B757-51A9B82445B8}" type="datetimeFigureOut">
+              <a:rPr lang="en-US" smtClean="0"/>
+            </a:fld>
+            <a:endParaRPr lang="en-US"/>
+          </a:p>
+        </p:txBody>
+      </p:sp>
+      <p:sp>
+        <p:nvSpPr>
+          <p:cNvPr id="4" name="Footer Placeholder 3"/>
+          <p:cNvSpPr>
+            <a:spLocks noGrp="true"/>
+          </p:cNvSpPr>
+          <p:nvPr>
+            <p:ph type="ftr" sz="quarter" idx="2"/>
+          </p:nvPr>
+        </p:nvSpPr>
+        <p:spPr>
+          <a:xfrm>
+            <a:off x="0" y="8685213"/>
+            <a:ext cx="2971800" cy="458787"/>
+          </a:xfrm>
+          <a:prstGeom prst="rect">
+            <a:avLst/>
+          </a:prstGeom>
+        </p:spPr>
+        <p:txBody>
+          <a:bodyPr vert="horz" lIns="91440" tIns="45720" rIns="91440" bIns="45720" rtlCol="0" anchor="b"/>
+          <a:lstStyle>
+            <a:lvl1pPr algn="l">
+              <a:defRPr sz="1200"/>
+            </a:lvl1pPr>
+          </a:lstStyle>
+          <a:p>
+            <a:endParaRPr lang="en-US"/>
+          </a:p>
+        </p:txBody>
+      </p:sp>
+      <p:sp>
+        <p:nvSpPr>
+          <p:cNvPr id="5" name="Slide Number Placeholder 4"/>
+          <p:cNvSpPr>
+            <a:spLocks noGrp="true"/>
+          </p:cNvSpPr>
+          <p:nvPr>
+            <p:ph type="sldNum" sz="quarter" idx="3"/>
+          </p:nvPr>
+        </p:nvSpPr>
+        <p:spPr>
+          <a:xfrm>
+            <a:off x="3884613" y="8685213"/>
+            <a:ext cx="2971800" cy="458787"/>
+          </a:xfrm>
+          <a:prstGeom prst="rect">
+            <a:avLst/>
+          </a:prstGeom>
+        </p:spPr>
+        <p:txBody>
+          <a:bodyPr vert="horz" lIns="91440" tIns="45720" rIns="91440" bIns="45720" rtlCol="0" anchor="b"/>
+          <a:lstStyle>
+            <a:lvl1pPr algn="r">
+              <a:defRPr sz="1200"/>
+            </a:lvl1pPr>
+          </a:lstStyle>
+          <a:p>
+            <a:fld id="{50305E07-67EA-4042-A3F6-853A8AD8D209}" type="slidenum">
+              <a:rPr lang="en-US" smtClean="0"/>
+            </a:fld>
+            <a:endParaRPr lang="en-US"/>
+          </a:p>
+        </p:txBody>
+      </p:sp>
+    </p:spTree>
+  </p:cSld>
+  <p:clrMap bg1="lt1" tx1="dk1" bg2="lt2" tx2="dk2" accent1="accent1" accent2="accent2" accent3="accent3" accent4="accent4" accent5="accent5" accent6="accent6" hlink="hlink" folHlink="folHlink"/>
+</p:handoutMaster>
 </file>
 
 <file path=ppt/notesMasters/notesMaster1.xml><?xml version="1.0" encoding="utf-8"?>
@@ -3601,47 +3760,6 @@
       <p:grpSpPr/>
       <p:sp>
         <p:nvSpPr>
-          <p:cNvPr id="2" name="Title 1"/>
-          <p:cNvSpPr>
-            <a:spLocks noGrp="true"/>
-          </p:cNvSpPr>
-          <p:nvPr>
-            <p:ph type="ctrTitle" sz="quarter"/>
-          </p:nvPr>
-        </p:nvSpPr>
-        <p:spPr/>
-        <p:txBody>
-          <a:bodyPr/>
-          <a:p>
-            <a:r>
-              <a:rPr lang="" altLang="en-US" b="1">
-                <a:latin typeface="Helvetica [pyrs]" charset="0"/>
-                <a:cs typeface="Helvetica [pyrs]" charset="0"/>
-              </a:rPr>
-              <a:t>Iris Flowers</a:t>
-            </a:r>
-            <a:br>
-              <a:rPr lang="" altLang="en-US" b="1">
-                <a:latin typeface="Helvetica [pyrs]" charset="0"/>
-                <a:cs typeface="Helvetica [pyrs]" charset="0"/>
-              </a:rPr>
-            </a:br>
-            <a:r>
-              <a:rPr lang="" altLang="en-US" b="1">
-                <a:latin typeface="Helvetica [pyrs]" charset="0"/>
-                <a:cs typeface="Helvetica [pyrs]" charset="0"/>
-              </a:rPr>
-              <a:t>Analysis and Prediction</a:t>
-            </a:r>
-            <a:endParaRPr lang="" altLang="en-US" b="1">
-              <a:latin typeface="Helvetica [pyrs]" charset="0"/>
-              <a:cs typeface="Helvetica [pyrs]" charset="0"/>
-            </a:endParaRPr>
-          </a:p>
-        </p:txBody>
-      </p:sp>
-      <p:sp>
-        <p:nvSpPr>
           <p:cNvPr id="3" name="Subtitle 2"/>
           <p:cNvSpPr>
             <a:spLocks noGrp="true"/>
@@ -3650,22 +3768,84 @@
             <p:ph type="subTitle" sz="quarter" idx="1"/>
           </p:nvPr>
         </p:nvSpPr>
-        <p:spPr/>
+        <p:spPr>
+          <a:xfrm>
+            <a:off x="3903980" y="3739515"/>
+            <a:ext cx="9144000" cy="448310"/>
+          </a:xfrm>
+        </p:spPr>
         <p:txBody>
           <a:bodyPr>
             <a:normAutofit/>
           </a:bodyPr>
           <a:p>
-            <a:r>
-              <a:rPr lang="" altLang="en-US">
-                <a:latin typeface="Helvetica [pyrs]" charset="0"/>
-                <a:cs typeface="Helvetica [pyrs]" charset="0"/>
+            <a:pPr algn="l"/>
+            <a:r>
+              <a:rPr lang="en-US" altLang="en-US" sz="2000">
+                <a:latin typeface="Open Sans" panose="020B0606030504020204" charset="0"/>
+                <a:cs typeface="Open Sans" panose="020B0606030504020204" charset="0"/>
               </a:rPr>
-              <a:t> • EDA • Classification • Prediction</a:t>
-            </a:r>
-            <a:endParaRPr lang="" altLang="en-US">
-              <a:latin typeface="Helvetica [pyrs]" charset="0"/>
-              <a:cs typeface="Helvetica [pyrs]" charset="0"/>
+              <a:t>•EDA</a:t>
+            </a:r>
+            <a:r>
+              <a:rPr lang="" altLang="en-US" sz="2000">
+                <a:latin typeface="Open Sans" panose="020B0606030504020204" charset="0"/>
+                <a:cs typeface="Open Sans" panose="020B0606030504020204" charset="0"/>
+              </a:rPr>
+              <a:t> </a:t>
+            </a:r>
+            <a:r>
+              <a:rPr lang="en-US" altLang="en-US" sz="2000">
+                <a:latin typeface="Open Sans" panose="020B0606030504020204" charset="0"/>
+                <a:cs typeface="Open Sans" panose="020B0606030504020204" charset="0"/>
+              </a:rPr>
+              <a:t>•</a:t>
+            </a:r>
+            <a:r>
+              <a:rPr lang="" altLang="en-US" sz="2000">
+                <a:latin typeface="Open Sans" panose="020B0606030504020204" charset="0"/>
+                <a:cs typeface="Open Sans" panose="020B0606030504020204" charset="0"/>
+              </a:rPr>
+              <a:t> </a:t>
+            </a:r>
+            <a:r>
+              <a:rPr lang="en-US" altLang="en-US" sz="2000">
+                <a:latin typeface="Open Sans" panose="020B0606030504020204" charset="0"/>
+                <a:cs typeface="Open Sans" panose="020B0606030504020204" charset="0"/>
+              </a:rPr>
+              <a:t>Classification</a:t>
+            </a:r>
+            <a:r>
+              <a:rPr lang="" altLang="en-US" sz="2000">
+                <a:latin typeface="Open Sans" panose="020B0606030504020204" charset="0"/>
+                <a:cs typeface="Open Sans" panose="020B0606030504020204" charset="0"/>
+              </a:rPr>
+              <a:t> </a:t>
+            </a:r>
+            <a:r>
+              <a:rPr lang="en-US" altLang="en-US" sz="2000">
+                <a:latin typeface="Open Sans" panose="020B0606030504020204" charset="0"/>
+                <a:cs typeface="Open Sans" panose="020B0606030504020204" charset="0"/>
+              </a:rPr>
+              <a:t>•</a:t>
+            </a:r>
+            <a:r>
+              <a:rPr lang="" altLang="en-US" sz="2000">
+                <a:latin typeface="Open Sans" panose="020B0606030504020204" charset="0"/>
+                <a:cs typeface="Open Sans" panose="020B0606030504020204" charset="0"/>
+              </a:rPr>
+              <a:t> </a:t>
+            </a:r>
+            <a:r>
+              <a:rPr lang="en-US" altLang="en-US" sz="2000">
+                <a:latin typeface="Open Sans" panose="020B0606030504020204" charset="0"/>
+                <a:cs typeface="Open Sans" panose="020B0606030504020204" charset="0"/>
+              </a:rPr>
+              <a:t>Prediction</a:t>
+            </a:r>
+            <a:endParaRPr lang="en-US" altLang="en-US" sz="2000">
+              <a:latin typeface="Open Sans" panose="020B0606030504020204" charset="0"/>
+              <a:cs typeface="Open Sans" panose="020B0606030504020204" charset="0"/>
             </a:endParaRPr>
           </a:p>
         </p:txBody>
@@ -3691,83 +3871,13 @@
           </a:p>
         </p:txBody>
       </p:sp>
-      <p:sp>
-        <p:nvSpPr>
-          <p:cNvPr id="6" name="Footer Placeholder 5"/>
-          <p:cNvSpPr>
-            <a:spLocks noGrp="true"/>
-          </p:cNvSpPr>
-          <p:nvPr>
-            <p:ph type="ftr" sz="quarter" idx="11"/>
-          </p:nvPr>
-        </p:nvSpPr>
-        <p:spPr/>
-        <p:txBody>
-          <a:bodyPr/>
-          <a:p>
-            <a:r>
-              <a:rPr lang="zh-CN" altLang="en-US">
-                <a:latin typeface="Arial" panose="020B0604020202020204" pitchFamily="34" charset="0"/>
-                <a:cs typeface="Arial" panose="020B0604020202020204" pitchFamily="34" charset="0"/>
-              </a:rPr>
-              <a:t>©</a:t>
-            </a:r>
-            <a:r>
-              <a:rPr lang="zh-CN" altLang="en-US"/>
-              <a:t>om</a:t>
-            </a:r>
-            <a:endParaRPr lang="zh-CN" altLang="en-US"/>
-          </a:p>
-        </p:txBody>
-      </p:sp>
-    </p:spTree>
-  </p:cSld>
-  <p:clrMapOvr>
-    <a:masterClrMapping/>
-  </p:clrMapOvr>
-  <p:transition>
-    <p:fade/>
-  </p:transition>
-</p:sld>
-</file>
-
-<file path=ppt/slides/slide10.xml><?xml version="1.0" encoding="utf-8"?>
-<p:sld xmlns:a="http://schemas.openxmlformats.org/drawingml/2006/main" xmlns:r="http://schemas.openxmlformats.org/officeDocument/2006/relationships" xmlns:p="http://schemas.openxmlformats.org/presentationml/2006/main">
-  <p:cSld>
-    <p:spTree>
-      <p:nvGrpSpPr>
-        <p:cNvPr id="1" name=""/>
-        <p:cNvGrpSpPr/>
-        <p:nvPr/>
-      </p:nvGrpSpPr>
-      <p:grpSpPr/>
-      <p:sp>
-        <p:nvSpPr>
-          <p:cNvPr id="2" name="Title 1"/>
-          <p:cNvSpPr>
-            <a:spLocks noGrp="true"/>
-          </p:cNvSpPr>
-          <p:nvPr>
-            <p:ph type="title"/>
-          </p:nvPr>
-        </p:nvSpPr>
-        <p:spPr/>
-        <p:txBody>
-          <a:bodyPr/>
-          <a:p>
-            <a:endParaRPr lang="en-US"/>
-          </a:p>
-        </p:txBody>
-      </p:sp>
       <p:pic>
         <p:nvPicPr>
-          <p:cNvPr id="4" name="Content Placeholder 3"/>
+          <p:cNvPr id="10" name="Picture 9"/>
           <p:cNvPicPr>
             <a:picLocks noChangeAspect="true"/>
           </p:cNvPicPr>
-          <p:nvPr>
-            <p:ph idx="1"/>
-          </p:nvPr>
+          <p:nvPr/>
         </p:nvPicPr>
         <p:blipFill>
           <a:blip r:embed="rId1"/>
@@ -3777,8 +3887,8 @@
         </p:blipFill>
         <p:spPr>
           <a:xfrm>
-            <a:off x="2423795" y="1275715"/>
-            <a:ext cx="7345045" cy="4306570"/>
+            <a:off x="-1664970" y="-3175"/>
+            <a:ext cx="5147310" cy="6864985"/>
           </a:xfrm>
           <a:prstGeom prst="rect">
             <a:avLst/>
@@ -3787,104 +3897,14 @@
       </p:pic>
       <p:sp>
         <p:nvSpPr>
-          <p:cNvPr id="5" name="Slide Number Placeholder 4"/>
-          <p:cNvSpPr>
-            <a:spLocks noGrp="true"/>
-          </p:cNvSpPr>
-          <p:nvPr>
-            <p:ph type="sldNum" sz="quarter" idx="12"/>
-          </p:nvPr>
-        </p:nvSpPr>
-        <p:spPr/>
-        <p:txBody>
-          <a:bodyPr/>
-          <a:p>
-            <a:fld id="{565CE74E-AB26-4998-AD42-012C4C1AD076}" type="slidenum">
-              <a:rPr lang="zh-CN" altLang="en-US" smtClean="0"/>
-            </a:fld>
-            <a:endParaRPr lang="zh-CN" altLang="en-US"/>
-          </a:p>
-        </p:txBody>
-      </p:sp>
-      <p:sp>
-        <p:nvSpPr>
-          <p:cNvPr id="6" name="Footer Placeholder 5"/>
-          <p:cNvSpPr>
-            <a:spLocks noGrp="true"/>
-          </p:cNvSpPr>
-          <p:nvPr>
-            <p:ph type="ftr" sz="quarter" idx="11"/>
-          </p:nvPr>
-        </p:nvSpPr>
-        <p:spPr/>
-        <p:txBody>
-          <a:bodyPr/>
-          <a:p>
-            <a:r>
-              <a:rPr lang="zh-CN" altLang="en-US"/>
-              <a:t>©om</a:t>
-            </a:r>
-            <a:endParaRPr lang="zh-CN" altLang="en-US"/>
-          </a:p>
-        </p:txBody>
-      </p:sp>
-    </p:spTree>
-  </p:cSld>
-  <p:clrMapOvr>
-    <a:masterClrMapping/>
-  </p:clrMapOvr>
-  <p:transition>
-    <p:fade/>
-  </p:transition>
-</p:sld>
-</file>
-
-<file path=ppt/slides/slide11.xml><?xml version="1.0" encoding="utf-8"?>
-<p:sld xmlns:a="http://schemas.openxmlformats.org/drawingml/2006/main" xmlns:r="http://schemas.openxmlformats.org/officeDocument/2006/relationships" xmlns:p="http://schemas.openxmlformats.org/presentationml/2006/main">
-  <p:cSld>
-    <p:spTree>
-      <p:nvGrpSpPr>
-        <p:cNvPr id="1" name=""/>
-        <p:cNvGrpSpPr/>
-        <p:nvPr/>
-      </p:nvGrpSpPr>
-      <p:grpSpPr/>
-      <p:pic>
-        <p:nvPicPr>
-          <p:cNvPr id="4" name="Content Placeholder 3"/>
-          <p:cNvPicPr>
-            <a:picLocks noChangeAspect="true"/>
-          </p:cNvPicPr>
-          <p:nvPr>
-            <p:ph idx="1"/>
-          </p:nvPr>
-        </p:nvPicPr>
-        <p:blipFill>
-          <a:blip r:embed="rId1"/>
-          <a:stretch>
-            <a:fillRect/>
-          </a:stretch>
-        </p:blipFill>
+          <p:cNvPr id="11" name="Text Box 10"/>
+          <p:cNvSpPr txBox="true"/>
+          <p:nvPr/>
+        </p:nvSpPr>
         <p:spPr>
           <a:xfrm>
-            <a:off x="1285875" y="1280795"/>
-            <a:ext cx="5074285" cy="4953000"/>
-          </a:xfrm>
-          <a:prstGeom prst="rect">
-            <a:avLst/>
-          </a:prstGeom>
-        </p:spPr>
-      </p:pic>
-      <p:sp>
-        <p:nvSpPr>
-          <p:cNvPr id="5" name="Text Box 4"/>
-          <p:cNvSpPr txBox="true"/>
-          <p:nvPr/>
-        </p:nvSpPr>
-        <p:spPr>
-          <a:xfrm>
-            <a:off x="7171690" y="1607820"/>
-            <a:ext cx="2910840" cy="2861310"/>
+            <a:off x="3903980" y="2179955"/>
+            <a:ext cx="5971540" cy="1445260"/>
           </a:xfrm>
           <a:prstGeom prst="rect">
             <a:avLst/>
@@ -3898,147 +3918,49 @@
           <a:p>
             <a:pPr algn="l"/>
             <a:r>
-              <a:rPr lang="en-US" altLang="en-US"/>
-              <a:t>Iris virginica</a:t>
-            </a:r>
-            <a:endParaRPr lang="en-US" altLang="en-US"/>
-          </a:p>
-          <a:p>
-            <a:pPr algn="l"/>
-            <a:r>
-              <a:rPr lang="en-US" altLang="en-US"/>
-              <a:t>0.8 </a:t>
-            </a:r>
-            <a:r>
-              <a:rPr lang="en-US" altLang="en-US">
-                <a:latin typeface="Droid Sans Fallback" panose="020B0502000000000001" charset="-122"/>
-                <a:cs typeface="Droid Sans Fallback" panose="020B0502000000000001" charset="-122"/>
+              <a:rPr lang="en-US" altLang="en-US" sz="4400" b="1">
+                <a:solidFill>
+                  <a:srgbClr val="6131AC"/>
+                </a:solidFill>
+                <a:effectLst/>
+                <a:latin typeface="Lato" panose="020F0602020204030203" charset="0"/>
+                <a:cs typeface="Lato" panose="020F0602020204030203" charset="0"/>
                 <a:sym typeface="+mn-ea"/>
               </a:rPr>
-              <a:t>≤</a:t>
-            </a:r>
-            <a:r>
-              <a:rPr lang="en-US" altLang="en-US"/>
-              <a:t> PetalWidthCm </a:t>
-            </a:r>
-            <a:r>
-              <a:rPr lang="en-US" altLang="en-US">
-                <a:latin typeface="Droid Sans Fallback" panose="020B0502000000000001" charset="-122"/>
-                <a:cs typeface="Droid Sans Fallback" panose="020B0502000000000001" charset="-122"/>
+              <a:t>Iris Flowers</a:t>
+            </a:r>
+            <a:br>
+              <a:rPr lang="en-US" altLang="en-US" sz="4400" b="1">
+                <a:solidFill>
+                  <a:srgbClr val="6131AC"/>
+                </a:solidFill>
+                <a:effectLst/>
+                <a:latin typeface="Lato" panose="020F0602020204030203" charset="0"/>
+                <a:cs typeface="Lato" panose="020F0602020204030203" charset="0"/>
                 <a:sym typeface="+mn-ea"/>
               </a:rPr>
-              <a:t>≤</a:t>
-            </a:r>
-            <a:r>
-              <a:rPr lang="en-US" altLang="en-US"/>
-              <a:t> 1.75</a:t>
-            </a:r>
-            <a:endParaRPr lang="en-US" altLang="en-US"/>
-          </a:p>
-          <a:p>
-            <a:pPr algn="l"/>
-            <a:endParaRPr lang="en-US" altLang="en-US"/>
-          </a:p>
-          <a:p>
-            <a:pPr algn="l"/>
-            <a:r>
-              <a:rPr lang="en-US" altLang="en-US"/>
-              <a:t>Iris setosa</a:t>
-            </a:r>
-            <a:endParaRPr lang="en-US" altLang="en-US"/>
-          </a:p>
-          <a:p>
-            <a:pPr algn="l"/>
-            <a:r>
-              <a:rPr lang="en-US" altLang="en-US"/>
-              <a:t>PetalWidthCm </a:t>
-            </a:r>
-            <a:r>
-              <a:rPr lang="en-US" altLang="en-US">
-                <a:latin typeface="Droid Sans Fallback" panose="020B0502000000000001" charset="-122"/>
-                <a:cs typeface="Droid Sans Fallback" panose="020B0502000000000001" charset="-122"/>
-              </a:rPr>
-              <a:t>≤</a:t>
-            </a:r>
-            <a:r>
-              <a:rPr lang="en-US" altLang="en-US"/>
-              <a:t> 0.8</a:t>
-            </a:r>
-            <a:endParaRPr lang="en-US" altLang="en-US"/>
-          </a:p>
-          <a:p>
-            <a:pPr algn="l"/>
-            <a:endParaRPr lang="en-US" altLang="en-US"/>
-          </a:p>
-          <a:p>
-            <a:pPr algn="l"/>
-            <a:r>
-              <a:rPr lang="en-US" altLang="en-US"/>
-              <a:t>Iris versicolor</a:t>
-            </a:r>
-            <a:endParaRPr lang="en-US" altLang="en-US"/>
-          </a:p>
-          <a:p>
-            <a:pPr algn="l"/>
-            <a:r>
-              <a:rPr lang="en-US" altLang="en-US">
-                <a:latin typeface="Droid Sans Fallback" panose="020B0502000000000001" charset="-122"/>
-                <a:cs typeface="Droid Sans Fallback" panose="020B0502000000000001" charset="-122"/>
+            </a:br>
+            <a:r>
+              <a:rPr lang="en-US" altLang="en-US" sz="4400" b="1">
+                <a:solidFill>
+                  <a:srgbClr val="6131AC"/>
+                </a:solidFill>
+                <a:effectLst/>
+                <a:latin typeface="Lato" panose="020F0602020204030203" charset="0"/>
+                <a:cs typeface="Lato" panose="020F0602020204030203" charset="0"/>
                 <a:sym typeface="+mn-ea"/>
               </a:rPr>
-              <a:t>≤ </a:t>
-            </a:r>
-            <a:endParaRPr lang="en-US" altLang="en-US"/>
-          </a:p>
-          <a:p>
-            <a:pPr algn="l"/>
-            <a:endParaRPr lang="en-US" altLang="en-US"/>
-          </a:p>
-          <a:p>
-            <a:endParaRPr lang="en-US" altLang="en-US"/>
-          </a:p>
-        </p:txBody>
-      </p:sp>
-      <p:sp>
-        <p:nvSpPr>
-          <p:cNvPr id="3" name="Slide Number Placeholder 2"/>
-          <p:cNvSpPr>
-            <a:spLocks noGrp="true"/>
-          </p:cNvSpPr>
-          <p:nvPr>
-            <p:ph type="sldNum" sz="quarter" idx="12"/>
-          </p:nvPr>
-        </p:nvSpPr>
-        <p:spPr/>
-        <p:txBody>
-          <a:bodyPr/>
-          <a:p>
-            <a:fld id="{565CE74E-AB26-4998-AD42-012C4C1AD076}" type="slidenum">
-              <a:rPr lang="zh-CN" altLang="en-US" smtClean="0"/>
-            </a:fld>
-            <a:endParaRPr lang="zh-CN" altLang="en-US"/>
-          </a:p>
-        </p:txBody>
-      </p:sp>
-      <p:sp>
-        <p:nvSpPr>
-          <p:cNvPr id="6" name="Footer Placeholder 5"/>
-          <p:cNvSpPr>
-            <a:spLocks noGrp="true"/>
-          </p:cNvSpPr>
-          <p:nvPr>
-            <p:ph type="ftr" sz="quarter" idx="11"/>
-          </p:nvPr>
-        </p:nvSpPr>
-        <p:spPr/>
-        <p:txBody>
-          <a:bodyPr/>
-          <a:p>
-            <a:r>
-              <a:rPr lang="zh-CN" altLang="en-US"/>
-              <a:t>©om</a:t>
-            </a:r>
-            <a:endParaRPr lang="zh-CN" altLang="en-US"/>
+              <a:t>Analysis and Prediction</a:t>
+            </a:r>
+            <a:endParaRPr lang="en-US" altLang="en-US" sz="4400" b="1">
+              <a:solidFill>
+                <a:srgbClr val="6131AC"/>
+              </a:solidFill>
+              <a:effectLst/>
+              <a:latin typeface="Lato" panose="020F0602020204030203" charset="0"/>
+              <a:cs typeface="Lato" panose="020F0602020204030203" charset="0"/>
+              <a:sym typeface="+mn-ea"/>
+            </a:endParaRPr>
           </a:p>
         </p:txBody>
       </p:sp>
@@ -4063,9 +3985,36 @@
         <p:nvPr/>
       </p:nvGrpSpPr>
       <p:grpSpPr/>
+      <p:sp>
+        <p:nvSpPr>
+          <p:cNvPr id="4" name="Footer Placeholder 3"/>
+          <p:cNvSpPr>
+            <a:spLocks noGrp="true"/>
+          </p:cNvSpPr>
+          <p:nvPr>
+            <p:ph type="ftr" sz="quarter" idx="11"/>
+          </p:nvPr>
+        </p:nvSpPr>
+        <p:spPr>
+          <a:xfrm>
+            <a:off x="4165600" y="6245225"/>
+            <a:ext cx="3860800" cy="476250"/>
+          </a:xfrm>
+        </p:spPr>
+        <p:txBody>
+          <a:bodyPr/>
+          <a:p>
+            <a:r>
+              <a:rPr lang="zh-CN" altLang="en-US"/>
+              <a:t>©om</a:t>
+            </a:r>
+            <a:endParaRPr lang="zh-CN" altLang="en-US"/>
+          </a:p>
+        </p:txBody>
+      </p:sp>
       <p:pic>
         <p:nvPicPr>
-          <p:cNvPr id="4" name="Picture 3"/>
+          <p:cNvPr id="11" name="Picture 10"/>
           <p:cNvPicPr>
             <a:picLocks noChangeAspect="true"/>
           </p:cNvPicPr>
@@ -4073,14 +4022,15 @@
         </p:nvPicPr>
         <p:blipFill>
           <a:blip r:embed="rId1"/>
+          <a:srcRect t="34713"/>
           <a:stretch>
             <a:fillRect/>
           </a:stretch>
         </p:blipFill>
         <p:spPr>
           <a:xfrm>
-            <a:off x="588645" y="1528445"/>
-            <a:ext cx="11014710" cy="4106545"/>
+            <a:off x="5443220" y="3015615"/>
+            <a:ext cx="6749415" cy="2667000"/>
           </a:xfrm>
           <a:prstGeom prst="rect">
             <a:avLst/>
@@ -4089,7 +4039,7 @@
       </p:pic>
       <p:sp>
         <p:nvSpPr>
-          <p:cNvPr id="3" name="Slide Number Placeholder 2"/>
+          <p:cNvPr id="5" name="Slide Number Placeholder 4"/>
           <p:cNvSpPr>
             <a:spLocks noGrp="true"/>
           </p:cNvSpPr>
@@ -4097,7 +4047,12 @@
             <p:ph type="sldNum" sz="quarter" idx="12"/>
           </p:nvPr>
         </p:nvSpPr>
-        <p:spPr/>
+        <p:spPr>
+          <a:xfrm>
+            <a:off x="8737600" y="6245225"/>
+            <a:ext cx="2844800" cy="476250"/>
+          </a:xfrm>
+        </p:spPr>
         <p:txBody>
           <a:bodyPr/>
           <a:p>
@@ -4108,25 +4063,165 @@
           </a:p>
         </p:txBody>
       </p:sp>
-      <p:sp>
-        <p:nvSpPr>
-          <p:cNvPr id="5" name="Footer Placeholder 4"/>
-          <p:cNvSpPr>
-            <a:spLocks noGrp="true"/>
-          </p:cNvSpPr>
-          <p:nvPr>
-            <p:ph type="ftr" sz="quarter" idx="11"/>
-          </p:nvPr>
-        </p:nvSpPr>
-        <p:spPr/>
-        <p:txBody>
-          <a:bodyPr/>
-          <a:p>
-            <a:r>
-              <a:rPr lang="zh-CN" altLang="en-US"/>
-              <a:t>©om</a:t>
-            </a:r>
-            <a:endParaRPr lang="zh-CN" altLang="en-US"/>
+      <p:pic>
+        <p:nvPicPr>
+          <p:cNvPr id="6" name="Picture 5"/>
+          <p:cNvPicPr>
+            <a:picLocks noChangeAspect="true"/>
+          </p:cNvPicPr>
+          <p:nvPr/>
+        </p:nvPicPr>
+        <p:blipFill>
+          <a:blip r:embed="rId2"/>
+          <a:stretch>
+            <a:fillRect/>
+          </a:stretch>
+        </p:blipFill>
+        <p:spPr>
+          <a:xfrm>
+            <a:off x="287020" y="3701415"/>
+            <a:ext cx="5461635" cy="2036445"/>
+          </a:xfrm>
+          <a:prstGeom prst="rect">
+            <a:avLst/>
+          </a:prstGeom>
+        </p:spPr>
+      </p:pic>
+      <p:sp>
+        <p:nvSpPr>
+          <p:cNvPr id="7" name="Text Box 6"/>
+          <p:cNvSpPr txBox="true"/>
+          <p:nvPr/>
+        </p:nvSpPr>
+        <p:spPr>
+          <a:xfrm>
+            <a:off x="2707005" y="690245"/>
+            <a:ext cx="9076690" cy="2245360"/>
+          </a:xfrm>
+          <a:prstGeom prst="rect">
+            <a:avLst/>
+          </a:prstGeom>
+          <a:noFill/>
+        </p:spPr>
+        <p:txBody>
+          <a:bodyPr wrap="square" rtlCol="0">
+            <a:spAutoFit/>
+          </a:bodyPr>
+          <a:p>
+            <a:pPr algn="just">
+              <a:lnSpc>
+                <a:spcPct val="100000"/>
+              </a:lnSpc>
+            </a:pPr>
+            <a:r>
+              <a:rPr lang="en-US" sz="2000">
+                <a:latin typeface="Helvetica" panose="00000400000000000000" charset="0"/>
+                <a:cs typeface="Helvetica" panose="00000400000000000000" charset="0"/>
+              </a:rPr>
+              <a:t>The Iris dataset was used in R.A. Fisher's classic 1936 paper, The Use of Multiple Measurements in Taxonomic Problems, and can also be found on the UCI Machine Learning Repository.</a:t>
+            </a:r>
+            <a:endParaRPr lang="en-US" sz="2000">
+              <a:latin typeface="Helvetica" panose="00000400000000000000" charset="0"/>
+              <a:cs typeface="Helvetica" panose="00000400000000000000" charset="0"/>
+            </a:endParaRPr>
+          </a:p>
+          <a:p>
+            <a:pPr algn="just">
+              <a:lnSpc>
+                <a:spcPct val="100000"/>
+              </a:lnSpc>
+            </a:pPr>
+            <a:endParaRPr lang="en-US" sz="2000">
+              <a:latin typeface="Helvetica" panose="00000400000000000000" charset="0"/>
+              <a:cs typeface="Helvetica" panose="00000400000000000000" charset="0"/>
+            </a:endParaRPr>
+          </a:p>
+          <a:p>
+            <a:pPr algn="just">
+              <a:lnSpc>
+                <a:spcPct val="100000"/>
+              </a:lnSpc>
+            </a:pPr>
+            <a:r>
+              <a:rPr lang="en-US" sz="2000">
+                <a:latin typeface="Helvetica" panose="00000400000000000000" charset="0"/>
+                <a:cs typeface="Helvetica" panose="00000400000000000000" charset="0"/>
+              </a:rPr>
+              <a:t>It includes three iris species with 50 samples each as well as some properties about each flower. One flower species is linearly separable from the other two, but the other two are not linearly separable from each other.</a:t>
+            </a:r>
+            <a:endParaRPr lang="en-US" sz="2000">
+              <a:latin typeface="Helvetica" panose="00000400000000000000" charset="0"/>
+              <a:cs typeface="Helvetica" panose="00000400000000000000" charset="0"/>
+            </a:endParaRPr>
+          </a:p>
+        </p:txBody>
+      </p:sp>
+      <p:pic>
+        <p:nvPicPr>
+          <p:cNvPr id="10" name="Picture 9"/>
+          <p:cNvPicPr>
+            <a:picLocks noChangeAspect="true"/>
+          </p:cNvPicPr>
+          <p:nvPr/>
+        </p:nvPicPr>
+        <p:blipFill>
+          <a:blip r:embed="rId3"/>
+          <a:stretch>
+            <a:fillRect/>
+          </a:stretch>
+        </p:blipFill>
+        <p:spPr>
+          <a:xfrm>
+            <a:off x="287020" y="690245"/>
+            <a:ext cx="1940560" cy="2550795"/>
+          </a:xfrm>
+          <a:prstGeom prst="rect">
+            <a:avLst/>
+          </a:prstGeom>
+        </p:spPr>
+      </p:pic>
+      <p:sp>
+        <p:nvSpPr>
+          <p:cNvPr id="12" name="Rectangle 11"/>
+          <p:cNvSpPr/>
+          <p:nvPr/>
+        </p:nvSpPr>
+        <p:spPr>
+          <a:xfrm>
+            <a:off x="-635" y="6642000"/>
+            <a:ext cx="12193200" cy="216000"/>
+          </a:xfrm>
+          <a:prstGeom prst="rect">
+            <a:avLst/>
+          </a:prstGeom>
+          <a:solidFill>
+            <a:srgbClr val="754DC1"/>
+          </a:solidFill>
+          <a:ln>
+            <a:noFill/>
+          </a:ln>
+        </p:spPr>
+        <p:style>
+          <a:lnRef idx="2">
+            <a:schemeClr val="accent1">
+              <a:shade val="50000"/>
+            </a:schemeClr>
+          </a:lnRef>
+          <a:fillRef idx="1">
+            <a:schemeClr val="accent1"/>
+          </a:fillRef>
+          <a:effectRef idx="0">
+            <a:schemeClr val="accent1"/>
+          </a:effectRef>
+          <a:fontRef idx="minor">
+            <a:schemeClr val="lt1"/>
+          </a:fontRef>
+        </p:style>
+        <p:txBody>
+          <a:bodyPr rtlCol="0" anchor="ctr"/>
+          <a:p>
+            <a:pPr algn="ctr"/>
+            <a:endParaRPr lang="en-US"/>
           </a:p>
         </p:txBody>
       </p:sp>
@@ -4161,35 +4256,473 @@
             <p:ph type="title"/>
           </p:nvPr>
         </p:nvSpPr>
-        <p:spPr/>
+        <p:spPr>
+          <a:xfrm>
+            <a:off x="236855" y="201295"/>
+            <a:ext cx="10972800" cy="609600"/>
+          </a:xfrm>
+        </p:spPr>
         <p:txBody>
           <a:bodyPr/>
           <a:p>
-            <a:endParaRPr lang="en-US"/>
-          </a:p>
-        </p:txBody>
-      </p:sp>
-      <p:sp>
-        <p:nvSpPr>
-          <p:cNvPr id="3" name="Content Placeholder 2"/>
-          <p:cNvSpPr>
-            <a:spLocks noGrp="true"/>
-          </p:cNvSpPr>
+            <a:pPr algn="l"/>
+            <a:r>
+              <a:rPr lang="en-US" altLang="en-US" sz="3600" b="1">
+                <a:effectLst/>
+                <a:latin typeface="Lato" panose="020F0602020204030203" charset="0"/>
+                <a:cs typeface="Lato" panose="020F0602020204030203" charset="0"/>
+                <a:sym typeface="+mn-ea"/>
+              </a:rPr>
+              <a:t>Dataset </a:t>
+            </a:r>
+            <a:r>
+              <a:rPr lang="en-US" sz="3600" b="1">
+                <a:solidFill>
+                  <a:schemeClr val="tx1"/>
+                </a:solidFill>
+                <a:effectLst/>
+                <a:latin typeface="Lato" panose="020F0602020204030203" charset="0"/>
+                <a:cs typeface="Lato" panose="020F0602020204030203" charset="0"/>
+                <a:sym typeface="+mn-ea"/>
+              </a:rPr>
+              <a:t>Information</a:t>
+            </a:r>
+            <a:endParaRPr lang="en-US" sz="3600" b="1">
+              <a:solidFill>
+                <a:schemeClr val="tx1"/>
+              </a:solidFill>
+              <a:effectLst/>
+              <a:latin typeface="Lato" panose="020F0602020204030203" charset="0"/>
+              <a:cs typeface="Lato" panose="020F0602020204030203" charset="0"/>
+              <a:sym typeface="+mn-ea"/>
+            </a:endParaRPr>
+          </a:p>
+        </p:txBody>
+      </p:sp>
+      <p:pic>
+        <p:nvPicPr>
+          <p:cNvPr id="5" name="Content Placeholder 4"/>
+          <p:cNvPicPr>
+            <a:picLocks noChangeAspect="true"/>
+          </p:cNvPicPr>
           <p:nvPr>
             <p:ph idx="1"/>
           </p:nvPr>
-        </p:nvSpPr>
-        <p:spPr/>
-        <p:txBody>
-          <a:bodyPr/>
-          <a:p>
-            <a:endParaRPr lang="en-US"/>
-          </a:p>
-        </p:txBody>
-      </p:sp>
-      <p:sp>
-        <p:nvSpPr>
-          <p:cNvPr id="5" name="Slide Number Placeholder 4"/>
+        </p:nvPicPr>
+        <p:blipFill>
+          <a:blip r:embed="rId1"/>
+          <a:stretch>
+            <a:fillRect/>
+          </a:stretch>
+        </p:blipFill>
+        <p:spPr>
+          <a:xfrm>
+            <a:off x="647700" y="1754505"/>
+            <a:ext cx="7372350" cy="2256155"/>
+          </a:xfrm>
+          <a:prstGeom prst="rect">
+            <a:avLst/>
+          </a:prstGeom>
+        </p:spPr>
+      </p:pic>
+      <p:sp>
+        <p:nvSpPr>
+          <p:cNvPr id="6" name="Text Box 5"/>
+          <p:cNvSpPr txBox="true"/>
+          <p:nvPr/>
+        </p:nvSpPr>
+        <p:spPr>
+          <a:xfrm>
+            <a:off x="8414385" y="1754505"/>
+            <a:ext cx="3168015" cy="2584450"/>
+          </a:xfrm>
+          <a:prstGeom prst="rect">
+            <a:avLst/>
+          </a:prstGeom>
+          <a:noFill/>
+        </p:spPr>
+        <p:txBody>
+          <a:bodyPr wrap="square" rtlCol="0" anchor="t">
+            <a:spAutoFit/>
+          </a:bodyPr>
+          <a:p>
+            <a:r>
+              <a:rPr lang="en-US">
+                <a:latin typeface="Helvetica" panose="00000400000000000000" charset="0"/>
+                <a:cs typeface="Helvetica" panose="00000400000000000000" charset="0"/>
+              </a:rPr>
+              <a:t>Attribute Information:</a:t>
+            </a:r>
+            <a:endParaRPr lang="en-US">
+              <a:latin typeface="Helvetica" panose="00000400000000000000" charset="0"/>
+              <a:cs typeface="Helvetica" panose="00000400000000000000" charset="0"/>
+            </a:endParaRPr>
+          </a:p>
+          <a:p>
+            <a:r>
+              <a:rPr lang="en-US">
+                <a:latin typeface="Helvetica" panose="00000400000000000000" charset="0"/>
+                <a:cs typeface="Helvetica" panose="00000400000000000000" charset="0"/>
+              </a:rPr>
+              <a:t>   1. sepal length in cm</a:t>
+            </a:r>
+            <a:endParaRPr lang="en-US">
+              <a:latin typeface="Helvetica" panose="00000400000000000000" charset="0"/>
+              <a:cs typeface="Helvetica" panose="00000400000000000000" charset="0"/>
+            </a:endParaRPr>
+          </a:p>
+          <a:p>
+            <a:r>
+              <a:rPr lang="en-US">
+                <a:latin typeface="Helvetica" panose="00000400000000000000" charset="0"/>
+                <a:cs typeface="Helvetica" panose="00000400000000000000" charset="0"/>
+              </a:rPr>
+              <a:t>   2. sepal width in cm</a:t>
+            </a:r>
+            <a:endParaRPr lang="en-US">
+              <a:latin typeface="Helvetica" panose="00000400000000000000" charset="0"/>
+              <a:cs typeface="Helvetica" panose="00000400000000000000" charset="0"/>
+            </a:endParaRPr>
+          </a:p>
+          <a:p>
+            <a:r>
+              <a:rPr lang="en-US">
+                <a:latin typeface="Helvetica" panose="00000400000000000000" charset="0"/>
+                <a:cs typeface="Helvetica" panose="00000400000000000000" charset="0"/>
+              </a:rPr>
+              <a:t>   3. petal length in cm</a:t>
+            </a:r>
+            <a:endParaRPr lang="en-US">
+              <a:latin typeface="Helvetica" panose="00000400000000000000" charset="0"/>
+              <a:cs typeface="Helvetica" panose="00000400000000000000" charset="0"/>
+            </a:endParaRPr>
+          </a:p>
+          <a:p>
+            <a:r>
+              <a:rPr lang="en-US">
+                <a:latin typeface="Helvetica" panose="00000400000000000000" charset="0"/>
+                <a:cs typeface="Helvetica" panose="00000400000000000000" charset="0"/>
+              </a:rPr>
+              <a:t>   4. petal width in cm</a:t>
+            </a:r>
+            <a:endParaRPr lang="en-US">
+              <a:latin typeface="Helvetica" panose="00000400000000000000" charset="0"/>
+              <a:cs typeface="Helvetica" panose="00000400000000000000" charset="0"/>
+            </a:endParaRPr>
+          </a:p>
+          <a:p>
+            <a:r>
+              <a:rPr lang="en-US">
+                <a:latin typeface="Helvetica" panose="00000400000000000000" charset="0"/>
+                <a:cs typeface="Helvetica" panose="00000400000000000000" charset="0"/>
+              </a:rPr>
+              <a:t>   5. class: </a:t>
+            </a:r>
+            <a:endParaRPr lang="en-US">
+              <a:latin typeface="Helvetica" panose="00000400000000000000" charset="0"/>
+              <a:cs typeface="Helvetica" panose="00000400000000000000" charset="0"/>
+            </a:endParaRPr>
+          </a:p>
+          <a:p>
+            <a:r>
+              <a:rPr lang="en-US">
+                <a:latin typeface="Helvetica" panose="00000400000000000000" charset="0"/>
+                <a:cs typeface="Helvetica" panose="00000400000000000000" charset="0"/>
+              </a:rPr>
+              <a:t>      -- Iris Setosa</a:t>
+            </a:r>
+            <a:endParaRPr lang="en-US">
+              <a:latin typeface="Helvetica" panose="00000400000000000000" charset="0"/>
+              <a:cs typeface="Helvetica" panose="00000400000000000000" charset="0"/>
+            </a:endParaRPr>
+          </a:p>
+          <a:p>
+            <a:r>
+              <a:rPr lang="en-US">
+                <a:latin typeface="Helvetica" panose="00000400000000000000" charset="0"/>
+                <a:cs typeface="Helvetica" panose="00000400000000000000" charset="0"/>
+              </a:rPr>
+              <a:t>      -- Iris Versicolour</a:t>
+            </a:r>
+            <a:endParaRPr lang="en-US">
+              <a:latin typeface="Helvetica" panose="00000400000000000000" charset="0"/>
+              <a:cs typeface="Helvetica" panose="00000400000000000000" charset="0"/>
+            </a:endParaRPr>
+          </a:p>
+          <a:p>
+            <a:r>
+              <a:rPr lang="en-US">
+                <a:latin typeface="Helvetica" panose="00000400000000000000" charset="0"/>
+                <a:cs typeface="Helvetica" panose="00000400000000000000" charset="0"/>
+              </a:rPr>
+              <a:t>      -- Iris Virginica</a:t>
+            </a:r>
+            <a:endParaRPr lang="en-US">
+              <a:latin typeface="Helvetica" panose="00000400000000000000" charset="0"/>
+              <a:cs typeface="Helvetica" panose="00000400000000000000" charset="0"/>
+            </a:endParaRPr>
+          </a:p>
+        </p:txBody>
+      </p:sp>
+      <p:sp>
+        <p:nvSpPr>
+          <p:cNvPr id="7" name="Text Box 6"/>
+          <p:cNvSpPr txBox="true"/>
+          <p:nvPr/>
+        </p:nvSpPr>
+        <p:spPr>
+          <a:xfrm>
+            <a:off x="647700" y="4338955"/>
+            <a:ext cx="8758555" cy="1476375"/>
+          </a:xfrm>
+          <a:prstGeom prst="rect">
+            <a:avLst/>
+          </a:prstGeom>
+          <a:noFill/>
+        </p:spPr>
+        <p:txBody>
+          <a:bodyPr wrap="square" rtlCol="0" anchor="t">
+            <a:spAutoFit/>
+          </a:bodyPr>
+          <a:p>
+            <a:pPr indent="0">
+              <a:buNone/>
+            </a:pPr>
+            <a:r>
+              <a:rPr lang="en-US" altLang="en-US">
+                <a:latin typeface="Helvetica" panose="00000400000000000000" charset="0"/>
+                <a:cs typeface="Helvetica" panose="00000400000000000000" charset="0"/>
+              </a:rPr>
+              <a:t>Description :</a:t>
+            </a:r>
+            <a:endParaRPr lang="en-US">
+              <a:latin typeface="Helvetica" panose="00000400000000000000" charset="0"/>
+              <a:cs typeface="Helvetica" panose="00000400000000000000" charset="0"/>
+            </a:endParaRPr>
+          </a:p>
+          <a:p>
+            <a:pPr marL="342900" indent="-342900">
+              <a:buAutoNum type="arabicPeriod"/>
+            </a:pPr>
+            <a:r>
+              <a:rPr lang="en-US">
+                <a:latin typeface="Helvetica" panose="00000400000000000000" charset="0"/>
+                <a:cs typeface="Helvetica" panose="00000400000000000000" charset="0"/>
+              </a:rPr>
+              <a:t>The dataset provided has 135</a:t>
+            </a:r>
+            <a:r>
+              <a:rPr lang="en-US" altLang="en-US">
+                <a:latin typeface="Helvetica" panose="00000400000000000000" charset="0"/>
+                <a:cs typeface="Helvetica" panose="00000400000000000000" charset="0"/>
+              </a:rPr>
+              <a:t> </a:t>
+            </a:r>
+            <a:r>
+              <a:rPr lang="en-US">
+                <a:latin typeface="Helvetica" panose="00000400000000000000" charset="0"/>
+                <a:cs typeface="Helvetica" panose="00000400000000000000" charset="0"/>
+              </a:rPr>
+              <a:t>rows</a:t>
+            </a:r>
+            <a:endParaRPr lang="en-US">
+              <a:latin typeface="Helvetica" panose="00000400000000000000" charset="0"/>
+              <a:cs typeface="Helvetica" panose="00000400000000000000" charset="0"/>
+            </a:endParaRPr>
+          </a:p>
+          <a:p>
+            <a:pPr marL="342900" indent="-342900">
+              <a:buAutoNum type="arabicPeriod"/>
+            </a:pPr>
+            <a:r>
+              <a:rPr lang="en-US">
+                <a:latin typeface="Helvetica" panose="00000400000000000000" charset="0"/>
+                <a:cs typeface="Helvetica" panose="00000400000000000000" charset="0"/>
+              </a:rPr>
+              <a:t>Dependent Variables :</a:t>
+            </a:r>
+            <a:r>
+              <a:rPr lang="en-US" altLang="en-US">
+                <a:latin typeface="Helvetica" panose="00000400000000000000" charset="0"/>
+                <a:cs typeface="Helvetica" panose="00000400000000000000" charset="0"/>
+              </a:rPr>
+              <a:t> </a:t>
+            </a:r>
+            <a:r>
+              <a:rPr lang="en-US">
+                <a:latin typeface="Helvetica" panose="00000400000000000000" charset="0"/>
+                <a:cs typeface="Helvetica" panose="00000400000000000000" charset="0"/>
+              </a:rPr>
+              <a:t>Sepal </a:t>
+            </a:r>
+            <a:r>
+              <a:rPr lang="en-US" altLang="en-US">
+                <a:latin typeface="Helvetica" panose="00000400000000000000" charset="0"/>
+                <a:cs typeface="Helvetica" panose="00000400000000000000" charset="0"/>
+              </a:rPr>
+              <a:t>L</a:t>
+            </a:r>
+            <a:r>
+              <a:rPr lang="en-US">
+                <a:latin typeface="Helvetica" panose="00000400000000000000" charset="0"/>
+                <a:cs typeface="Helvetica" panose="00000400000000000000" charset="0"/>
+              </a:rPr>
+              <a:t>ength</a:t>
+            </a:r>
+            <a:r>
+              <a:rPr lang="en-US" altLang="en-US">
+                <a:latin typeface="Helvetica" panose="00000400000000000000" charset="0"/>
+                <a:cs typeface="Helvetica" panose="00000400000000000000" charset="0"/>
+              </a:rPr>
+              <a:t>, </a:t>
+            </a:r>
+            <a:r>
+              <a:rPr lang="en-US">
+                <a:latin typeface="Helvetica" panose="00000400000000000000" charset="0"/>
+                <a:cs typeface="Helvetica" panose="00000400000000000000" charset="0"/>
+              </a:rPr>
+              <a:t>Sepal Width,</a:t>
+            </a:r>
+            <a:r>
+              <a:rPr lang="en-US" altLang="en-US">
+                <a:latin typeface="Helvetica" panose="00000400000000000000" charset="0"/>
+                <a:cs typeface="Helvetica" panose="00000400000000000000" charset="0"/>
+              </a:rPr>
+              <a:t> </a:t>
+            </a:r>
+            <a:r>
+              <a:rPr lang="en-US">
+                <a:latin typeface="Helvetica" panose="00000400000000000000" charset="0"/>
+                <a:cs typeface="Helvetica" panose="00000400000000000000" charset="0"/>
+              </a:rPr>
+              <a:t>Petal </a:t>
+            </a:r>
+            <a:r>
+              <a:rPr lang="en-US" altLang="en-US">
+                <a:latin typeface="Helvetica" panose="00000400000000000000" charset="0"/>
+                <a:cs typeface="Helvetica" panose="00000400000000000000" charset="0"/>
+              </a:rPr>
+              <a:t>L</a:t>
+            </a:r>
+            <a:r>
+              <a:rPr lang="en-US">
+                <a:latin typeface="Helvetica" panose="00000400000000000000" charset="0"/>
+                <a:cs typeface="Helvetica" panose="00000400000000000000" charset="0"/>
+              </a:rPr>
+              <a:t>ength,</a:t>
+            </a:r>
+            <a:r>
+              <a:rPr lang="en-US" altLang="en-US">
+                <a:latin typeface="Helvetica" panose="00000400000000000000" charset="0"/>
+                <a:cs typeface="Helvetica" panose="00000400000000000000" charset="0"/>
+              </a:rPr>
+              <a:t> </a:t>
+            </a:r>
+            <a:r>
+              <a:rPr lang="en-US">
+                <a:latin typeface="Helvetica" panose="00000400000000000000" charset="0"/>
+                <a:cs typeface="Helvetica" panose="00000400000000000000" charset="0"/>
+              </a:rPr>
+              <a:t>Petal Width</a:t>
+            </a:r>
+            <a:endParaRPr lang="en-US">
+              <a:latin typeface="Helvetica" panose="00000400000000000000" charset="0"/>
+              <a:cs typeface="Helvetica" panose="00000400000000000000" charset="0"/>
+            </a:endParaRPr>
+          </a:p>
+          <a:p>
+            <a:pPr marL="342900" indent="-342900">
+              <a:buAutoNum type="arabicPeriod"/>
+            </a:pPr>
+            <a:r>
+              <a:rPr lang="en-US">
+                <a:latin typeface="Helvetica" panose="00000400000000000000" charset="0"/>
+                <a:cs typeface="Helvetica" panose="00000400000000000000" charset="0"/>
+              </a:rPr>
+              <a:t>Independent/Target Variable : Class</a:t>
+            </a:r>
+            <a:endParaRPr lang="en-US">
+              <a:latin typeface="Helvetica" panose="00000400000000000000" charset="0"/>
+              <a:cs typeface="Helvetica" panose="00000400000000000000" charset="0"/>
+            </a:endParaRPr>
+          </a:p>
+          <a:p>
+            <a:pPr marL="342900" indent="-342900">
+              <a:buAutoNum type="arabicPeriod"/>
+            </a:pPr>
+            <a:r>
+              <a:rPr lang="en-US">
+                <a:latin typeface="Helvetica" panose="00000400000000000000" charset="0"/>
+                <a:cs typeface="Helvetica" panose="00000400000000000000" charset="0"/>
+              </a:rPr>
+              <a:t>Missing </a:t>
+            </a:r>
+            <a:r>
+              <a:rPr lang="en-US" altLang="en-US">
+                <a:latin typeface="Helvetica" panose="00000400000000000000" charset="0"/>
+                <a:cs typeface="Helvetica" panose="00000400000000000000" charset="0"/>
+              </a:rPr>
+              <a:t>V</a:t>
+            </a:r>
+            <a:r>
+              <a:rPr lang="en-US">
+                <a:latin typeface="Helvetica" panose="00000400000000000000" charset="0"/>
+                <a:cs typeface="Helvetica" panose="00000400000000000000" charset="0"/>
+              </a:rPr>
+              <a:t>alues : </a:t>
+            </a:r>
+            <a:r>
+              <a:rPr lang="en-US" altLang="en-US">
+                <a:latin typeface="Helvetica" panose="00000400000000000000" charset="0"/>
+                <a:cs typeface="Helvetica" panose="00000400000000000000" charset="0"/>
+              </a:rPr>
+              <a:t>13</a:t>
+            </a:r>
+            <a:endParaRPr lang="en-US" altLang="en-US">
+              <a:latin typeface="Helvetica" panose="00000400000000000000" charset="0"/>
+              <a:cs typeface="Helvetica" panose="00000400000000000000" charset="0"/>
+            </a:endParaRPr>
+          </a:p>
+        </p:txBody>
+      </p:sp>
+      <p:sp>
+        <p:nvSpPr>
+          <p:cNvPr id="8" name="Text Box 7"/>
+          <p:cNvSpPr txBox="true"/>
+          <p:nvPr/>
+        </p:nvSpPr>
+        <p:spPr>
+          <a:xfrm>
+            <a:off x="647700" y="1386205"/>
+            <a:ext cx="1565910" cy="368300"/>
+          </a:xfrm>
+          <a:prstGeom prst="rect">
+            <a:avLst/>
+          </a:prstGeom>
+          <a:noFill/>
+        </p:spPr>
+        <p:txBody>
+          <a:bodyPr wrap="none" rtlCol="0">
+            <a:spAutoFit/>
+          </a:bodyPr>
+          <a:p>
+            <a:r>
+              <a:rPr lang="en-US" altLang="en-US">
+                <a:latin typeface="Consolas" panose="020B0609020204030204" charset="0"/>
+                <a:cs typeface="Consolas" panose="020B0609020204030204" charset="0"/>
+              </a:rPr>
+              <a:t>iris.head()</a:t>
+            </a:r>
+            <a:endParaRPr lang="en-US" altLang="en-US">
+              <a:latin typeface="Consolas" panose="020B0609020204030204" charset="0"/>
+              <a:cs typeface="Consolas" panose="020B0609020204030204" charset="0"/>
+            </a:endParaRPr>
+          </a:p>
+        </p:txBody>
+      </p:sp>
+      <p:sp>
+        <p:nvSpPr>
+          <p:cNvPr id="4" name="Slide Number Placeholder 3"/>
           <p:cNvSpPr>
             <a:spLocks noGrp="true"/>
           </p:cNvSpPr>
@@ -4210,7 +4743,7 @@
       </p:sp>
       <p:sp>
         <p:nvSpPr>
-          <p:cNvPr id="6" name="Footer Placeholder 5"/>
+          <p:cNvPr id="9" name="Footer Placeholder 8"/>
           <p:cNvSpPr>
             <a:spLocks noGrp="true"/>
           </p:cNvSpPr>
@@ -4227,6 +4760,96 @@
               <a:t>©om</a:t>
             </a:r>
             <a:endParaRPr lang="zh-CN" altLang="en-US"/>
+          </a:p>
+        </p:txBody>
+      </p:sp>
+      <p:sp>
+        <p:nvSpPr>
+          <p:cNvPr id="12" name="Rectangle 11"/>
+          <p:cNvSpPr/>
+          <p:nvPr/>
+        </p:nvSpPr>
+        <p:spPr>
+          <a:xfrm>
+            <a:off x="-635" y="6642000"/>
+            <a:ext cx="12193200" cy="216000"/>
+          </a:xfrm>
+          <a:prstGeom prst="rect">
+            <a:avLst/>
+          </a:prstGeom>
+          <a:solidFill>
+            <a:srgbClr val="754DC1"/>
+          </a:solidFill>
+          <a:ln>
+            <a:noFill/>
+          </a:ln>
+        </p:spPr>
+        <p:style>
+          <a:lnRef idx="2">
+            <a:schemeClr val="accent1">
+              <a:shade val="50000"/>
+            </a:schemeClr>
+          </a:lnRef>
+          <a:fillRef idx="1">
+            <a:schemeClr val="accent1"/>
+          </a:fillRef>
+          <a:effectRef idx="0">
+            <a:schemeClr val="accent1"/>
+          </a:effectRef>
+          <a:fontRef idx="minor">
+            <a:schemeClr val="lt1"/>
+          </a:fontRef>
+        </p:style>
+        <p:txBody>
+          <a:bodyPr rtlCol="0" anchor="ctr"/>
+          <a:p>
+            <a:pPr algn="ctr"/>
+            <a:endParaRPr lang="en-US"/>
+          </a:p>
+        </p:txBody>
+      </p:sp>
+      <p:sp>
+        <p:nvSpPr>
+          <p:cNvPr id="3" name="Rectangle 2"/>
+          <p:cNvSpPr/>
+          <p:nvPr/>
+        </p:nvSpPr>
+        <p:spPr>
+          <a:xfrm>
+            <a:off x="735965" y="721360"/>
+            <a:ext cx="1188000" cy="72000"/>
+          </a:xfrm>
+          <a:prstGeom prst="rect">
+            <a:avLst/>
+          </a:prstGeom>
+          <a:solidFill>
+            <a:srgbClr val="754DC1"/>
+          </a:solidFill>
+          <a:ln>
+            <a:noFill/>
+          </a:ln>
+        </p:spPr>
+        <p:style>
+          <a:lnRef idx="2">
+            <a:schemeClr val="accent1">
+              <a:shade val="50000"/>
+            </a:schemeClr>
+          </a:lnRef>
+          <a:fillRef idx="1">
+            <a:schemeClr val="accent1"/>
+          </a:fillRef>
+          <a:effectRef idx="0">
+            <a:schemeClr val="accent1"/>
+          </a:effectRef>
+          <a:fontRef idx="minor">
+            <a:schemeClr val="lt1"/>
+          </a:fontRef>
+        </p:style>
+        <p:txBody>
+          <a:bodyPr rtlCol="0" anchor="ctr"/>
+          <a:p>
+            <a:pPr algn="ctr"/>
+            <a:endParaRPr lang="en-US"/>
           </a:p>
         </p:txBody>
       </p:sp>
@@ -4261,909 +4884,41 @@
             <p:ph type="title"/>
           </p:nvPr>
         </p:nvSpPr>
-        <p:spPr/>
+        <p:spPr>
+          <a:xfrm>
+            <a:off x="8052435" y="-182880"/>
+            <a:ext cx="3588385" cy="1143000"/>
+          </a:xfrm>
+        </p:spPr>
         <p:txBody>
           <a:bodyPr/>
           <a:p>
             <a:r>
-              <a:rPr lang="en-US" altLang="en-US" sz="2800">
-                <a:effectLst/>
-                <a:latin typeface="Helvetica [pyrs]" charset="0"/>
-                <a:cs typeface="Helvetica [pyrs]" charset="0"/>
-                <a:sym typeface="+mn-ea"/>
+              <a:rPr lang="en-US" altLang="en-US" sz="3600" b="1">
+                <a:latin typeface="Lato" panose="020F0602020204030203" charset="0"/>
+                <a:cs typeface="Lato" panose="020F0602020204030203" charset="0"/>
               </a:rPr>
-              <a:t>Dataset </a:t>
-            </a:r>
-            <a:r>
-              <a:rPr lang="en-US" sz="2800">
-                <a:effectLst/>
-                <a:latin typeface="Helvetica [pyrs]" charset="0"/>
-                <a:cs typeface="Helvetica [pyrs]" charset="0"/>
-                <a:sym typeface="+mn-ea"/>
-              </a:rPr>
-              <a:t>Information</a:t>
-            </a:r>
-            <a:endParaRPr lang="en-US" sz="2800">
-              <a:effectLst/>
-              <a:latin typeface="Helvetica [pyrs]" charset="0"/>
-              <a:cs typeface="Helvetica [pyrs]" charset="0"/>
+              <a:t>Distribution</a:t>
+            </a:r>
+            <a:endParaRPr lang="en-US" altLang="en-US" sz="3600" b="1">
+              <a:latin typeface="Lato" panose="020F0602020204030203" charset="0"/>
+              <a:cs typeface="Lato" panose="020F0602020204030203" charset="0"/>
               <a:sym typeface="+mn-ea"/>
             </a:endParaRPr>
           </a:p>
         </p:txBody>
       </p:sp>
-      <p:pic>
-        <p:nvPicPr>
-          <p:cNvPr id="5" name="Content Placeholder 4"/>
-          <p:cNvPicPr>
-            <a:picLocks noChangeAspect="true"/>
-          </p:cNvPicPr>
-          <p:nvPr>
-            <p:ph idx="1"/>
-          </p:nvPr>
-        </p:nvPicPr>
-        <p:blipFill>
-          <a:blip r:embed="rId1"/>
-          <a:stretch>
-            <a:fillRect/>
-          </a:stretch>
-        </p:blipFill>
+      <p:sp>
+        <p:nvSpPr>
+          <p:cNvPr id="3" name="Content Placeholder 2"/>
+          <p:cNvSpPr>
+            <a:spLocks noGrp="true"/>
+          </p:cNvSpPr>
+          <p:nvPr/>
+        </p:nvSpPr>
         <p:spPr>
           <a:xfrm>
-            <a:off x="647700" y="1754505"/>
-            <a:ext cx="7372350" cy="2256155"/>
-          </a:xfrm>
-          <a:prstGeom prst="rect">
-            <a:avLst/>
-          </a:prstGeom>
-        </p:spPr>
-      </p:pic>
-      <p:sp>
-        <p:nvSpPr>
-          <p:cNvPr id="6" name="Text Box 5"/>
-          <p:cNvSpPr txBox="true"/>
-          <p:nvPr/>
-        </p:nvSpPr>
-        <p:spPr>
-          <a:xfrm>
-            <a:off x="8414385" y="1754505"/>
-            <a:ext cx="2540000" cy="2584450"/>
-          </a:xfrm>
-          <a:prstGeom prst="rect">
-            <a:avLst/>
-          </a:prstGeom>
-          <a:noFill/>
-        </p:spPr>
-        <p:txBody>
-          <a:bodyPr wrap="square" rtlCol="0" anchor="t">
-            <a:spAutoFit/>
-          </a:bodyPr>
-          <a:p>
-            <a:r>
-              <a:rPr lang="en-US">
-                <a:latin typeface="Helvetica [pyrs]" charset="0"/>
-                <a:cs typeface="Helvetica [pyrs]" charset="0"/>
-              </a:rPr>
-              <a:t>Attribute Information:</a:t>
-            </a:r>
-            <a:endParaRPr lang="en-US">
-              <a:latin typeface="Helvetica [pyrs]" charset="0"/>
-              <a:cs typeface="Helvetica [pyrs]" charset="0"/>
-            </a:endParaRPr>
-          </a:p>
-          <a:p>
-            <a:r>
-              <a:rPr lang="en-US">
-                <a:latin typeface="Helvetica [pyrs]" charset="0"/>
-                <a:cs typeface="Helvetica [pyrs]" charset="0"/>
-              </a:rPr>
-              <a:t>   1. sepal length in cm</a:t>
-            </a:r>
-            <a:endParaRPr lang="en-US">
-              <a:latin typeface="Helvetica [pyrs]" charset="0"/>
-              <a:cs typeface="Helvetica [pyrs]" charset="0"/>
-            </a:endParaRPr>
-          </a:p>
-          <a:p>
-            <a:r>
-              <a:rPr lang="en-US">
-                <a:latin typeface="Helvetica [pyrs]" charset="0"/>
-                <a:cs typeface="Helvetica [pyrs]" charset="0"/>
-              </a:rPr>
-              <a:t>   2. sepal width in cm</a:t>
-            </a:r>
-            <a:endParaRPr lang="en-US">
-              <a:latin typeface="Helvetica [pyrs]" charset="0"/>
-              <a:cs typeface="Helvetica [pyrs]" charset="0"/>
-            </a:endParaRPr>
-          </a:p>
-          <a:p>
-            <a:r>
-              <a:rPr lang="en-US">
-                <a:latin typeface="Helvetica [pyrs]" charset="0"/>
-                <a:cs typeface="Helvetica [pyrs]" charset="0"/>
-              </a:rPr>
-              <a:t>   3. petal length in cm</a:t>
-            </a:r>
-            <a:endParaRPr lang="en-US">
-              <a:latin typeface="Helvetica [pyrs]" charset="0"/>
-              <a:cs typeface="Helvetica [pyrs]" charset="0"/>
-            </a:endParaRPr>
-          </a:p>
-          <a:p>
-            <a:r>
-              <a:rPr lang="en-US">
-                <a:latin typeface="Helvetica [pyrs]" charset="0"/>
-                <a:cs typeface="Helvetica [pyrs]" charset="0"/>
-              </a:rPr>
-              <a:t>   4. petal width in cm</a:t>
-            </a:r>
-            <a:endParaRPr lang="en-US">
-              <a:latin typeface="Helvetica [pyrs]" charset="0"/>
-              <a:cs typeface="Helvetica [pyrs]" charset="0"/>
-            </a:endParaRPr>
-          </a:p>
-          <a:p>
-            <a:r>
-              <a:rPr lang="en-US">
-                <a:latin typeface="Helvetica [pyrs]" charset="0"/>
-                <a:cs typeface="Helvetica [pyrs]" charset="0"/>
-              </a:rPr>
-              <a:t>   5. class: </a:t>
-            </a:r>
-            <a:endParaRPr lang="en-US">
-              <a:latin typeface="Helvetica [pyrs]" charset="0"/>
-              <a:cs typeface="Helvetica [pyrs]" charset="0"/>
-            </a:endParaRPr>
-          </a:p>
-          <a:p>
-            <a:r>
-              <a:rPr lang="en-US">
-                <a:latin typeface="Helvetica [pyrs]" charset="0"/>
-                <a:cs typeface="Helvetica [pyrs]" charset="0"/>
-              </a:rPr>
-              <a:t>      -- Iris Setosa</a:t>
-            </a:r>
-            <a:endParaRPr lang="en-US">
-              <a:latin typeface="Helvetica [pyrs]" charset="0"/>
-              <a:cs typeface="Helvetica [pyrs]" charset="0"/>
-            </a:endParaRPr>
-          </a:p>
-          <a:p>
-            <a:r>
-              <a:rPr lang="en-US">
-                <a:latin typeface="Helvetica [pyrs]" charset="0"/>
-                <a:cs typeface="Helvetica [pyrs]" charset="0"/>
-              </a:rPr>
-              <a:t>      -- Iris Versicolour</a:t>
-            </a:r>
-            <a:endParaRPr lang="en-US">
-              <a:latin typeface="Helvetica [pyrs]" charset="0"/>
-              <a:cs typeface="Helvetica [pyrs]" charset="0"/>
-            </a:endParaRPr>
-          </a:p>
-          <a:p>
-            <a:r>
-              <a:rPr lang="en-US">
-                <a:latin typeface="Helvetica [pyrs]" charset="0"/>
-                <a:cs typeface="Helvetica [pyrs]" charset="0"/>
-              </a:rPr>
-              <a:t>      -- Iris Virginica</a:t>
-            </a:r>
-            <a:endParaRPr lang="en-US">
-              <a:latin typeface="Helvetica [pyrs]" charset="0"/>
-              <a:cs typeface="Helvetica [pyrs]" charset="0"/>
-            </a:endParaRPr>
-          </a:p>
-        </p:txBody>
-      </p:sp>
-      <p:sp>
-        <p:nvSpPr>
-          <p:cNvPr id="7" name="Text Box 6"/>
-          <p:cNvSpPr txBox="true"/>
-          <p:nvPr/>
-        </p:nvSpPr>
-        <p:spPr>
-          <a:xfrm>
-            <a:off x="647700" y="4338955"/>
-            <a:ext cx="8758555" cy="1476375"/>
-          </a:xfrm>
-          <a:prstGeom prst="rect">
-            <a:avLst/>
-          </a:prstGeom>
-          <a:noFill/>
-        </p:spPr>
-        <p:txBody>
-          <a:bodyPr wrap="square" rtlCol="0" anchor="t">
-            <a:spAutoFit/>
-          </a:bodyPr>
-          <a:p>
-            <a:pPr indent="0">
-              <a:buNone/>
-            </a:pPr>
-            <a:r>
-              <a:rPr lang="en-US" altLang="en-US">
-                <a:latin typeface="Helvetica [pyrs]" charset="0"/>
-                <a:cs typeface="Helvetica [pyrs]" charset="0"/>
-              </a:rPr>
-              <a:t>Description :</a:t>
-            </a:r>
-            <a:endParaRPr lang="en-US">
-              <a:latin typeface="Helvetica [pyrs]" charset="0"/>
-              <a:cs typeface="Helvetica [pyrs]" charset="0"/>
-            </a:endParaRPr>
-          </a:p>
-          <a:p>
-            <a:pPr marL="342900" indent="-342900">
-              <a:buAutoNum type="arabicPeriod"/>
-            </a:pPr>
-            <a:r>
-              <a:rPr lang="en-US">
-                <a:latin typeface="Helvetica [pyrs]" charset="0"/>
-                <a:cs typeface="Helvetica [pyrs]" charset="0"/>
-              </a:rPr>
-              <a:t>The dataset provided has 135</a:t>
-            </a:r>
-            <a:r>
-              <a:rPr lang="en-US" altLang="en-US">
-                <a:latin typeface="Helvetica [pyrs]" charset="0"/>
-                <a:cs typeface="Helvetica [pyrs]" charset="0"/>
-              </a:rPr>
-              <a:t> </a:t>
-            </a:r>
-            <a:r>
-              <a:rPr lang="en-US">
-                <a:latin typeface="Helvetica [pyrs]" charset="0"/>
-                <a:cs typeface="Helvetica [pyrs]" charset="0"/>
-              </a:rPr>
-              <a:t>rows</a:t>
-            </a:r>
-            <a:endParaRPr lang="en-US">
-              <a:latin typeface="Helvetica [pyrs]" charset="0"/>
-              <a:cs typeface="Helvetica [pyrs]" charset="0"/>
-            </a:endParaRPr>
-          </a:p>
-          <a:p>
-            <a:pPr marL="342900" indent="-342900">
-              <a:buAutoNum type="arabicPeriod"/>
-            </a:pPr>
-            <a:r>
-              <a:rPr lang="en-US">
-                <a:latin typeface="Helvetica [pyrs]" charset="0"/>
-                <a:cs typeface="Helvetica [pyrs]" charset="0"/>
-              </a:rPr>
-              <a:t>Dependent Variables :</a:t>
-            </a:r>
-            <a:r>
-              <a:rPr lang="en-US" altLang="en-US">
-                <a:latin typeface="Helvetica [pyrs]" charset="0"/>
-                <a:cs typeface="Helvetica [pyrs]" charset="0"/>
-              </a:rPr>
-              <a:t> </a:t>
-            </a:r>
-            <a:r>
-              <a:rPr lang="en-US">
-                <a:latin typeface="Helvetica [pyrs]" charset="0"/>
-                <a:cs typeface="Helvetica [pyrs]" charset="0"/>
-              </a:rPr>
-              <a:t>Sepal </a:t>
-            </a:r>
-            <a:r>
-              <a:rPr lang="en-US" altLang="en-US">
-                <a:latin typeface="Helvetica [pyrs]" charset="0"/>
-                <a:cs typeface="Helvetica [pyrs]" charset="0"/>
-              </a:rPr>
-              <a:t>L</a:t>
-            </a:r>
-            <a:r>
-              <a:rPr lang="en-US">
-                <a:latin typeface="Helvetica [pyrs]" charset="0"/>
-                <a:cs typeface="Helvetica [pyrs]" charset="0"/>
-              </a:rPr>
-              <a:t>ength</a:t>
-            </a:r>
-            <a:r>
-              <a:rPr lang="en-US" altLang="en-US">
-                <a:latin typeface="Helvetica [pyrs]" charset="0"/>
-                <a:cs typeface="Helvetica [pyrs]" charset="0"/>
-              </a:rPr>
-              <a:t>, </a:t>
-            </a:r>
-            <a:r>
-              <a:rPr lang="en-US">
-                <a:latin typeface="Helvetica [pyrs]" charset="0"/>
-                <a:cs typeface="Helvetica [pyrs]" charset="0"/>
-              </a:rPr>
-              <a:t>Sepal Width,</a:t>
-            </a:r>
-            <a:r>
-              <a:rPr lang="en-US" altLang="en-US">
-                <a:latin typeface="Helvetica [pyrs]" charset="0"/>
-                <a:cs typeface="Helvetica [pyrs]" charset="0"/>
-              </a:rPr>
-              <a:t> </a:t>
-            </a:r>
-            <a:r>
-              <a:rPr lang="en-US">
-                <a:latin typeface="Helvetica [pyrs]" charset="0"/>
-                <a:cs typeface="Helvetica [pyrs]" charset="0"/>
-              </a:rPr>
-              <a:t>Petal </a:t>
-            </a:r>
-            <a:r>
-              <a:rPr lang="en-US" altLang="en-US">
-                <a:latin typeface="Helvetica [pyrs]" charset="0"/>
-                <a:cs typeface="Helvetica [pyrs]" charset="0"/>
-              </a:rPr>
-              <a:t>L</a:t>
-            </a:r>
-            <a:r>
-              <a:rPr lang="en-US">
-                <a:latin typeface="Helvetica [pyrs]" charset="0"/>
-                <a:cs typeface="Helvetica [pyrs]" charset="0"/>
-              </a:rPr>
-              <a:t>ength,</a:t>
-            </a:r>
-            <a:r>
-              <a:rPr lang="en-US" altLang="en-US">
-                <a:latin typeface="Helvetica [pyrs]" charset="0"/>
-                <a:cs typeface="Helvetica [pyrs]" charset="0"/>
-              </a:rPr>
-              <a:t> </a:t>
-            </a:r>
-            <a:r>
-              <a:rPr lang="en-US">
-                <a:latin typeface="Helvetica [pyrs]" charset="0"/>
-                <a:cs typeface="Helvetica [pyrs]" charset="0"/>
-              </a:rPr>
-              <a:t>Petal Width</a:t>
-            </a:r>
-            <a:endParaRPr lang="en-US">
-              <a:latin typeface="Helvetica [pyrs]" charset="0"/>
-              <a:cs typeface="Helvetica [pyrs]" charset="0"/>
-            </a:endParaRPr>
-          </a:p>
-          <a:p>
-            <a:pPr marL="342900" indent="-342900">
-              <a:buAutoNum type="arabicPeriod"/>
-            </a:pPr>
-            <a:r>
-              <a:rPr lang="en-US">
-                <a:latin typeface="Helvetica [pyrs]" charset="0"/>
-                <a:cs typeface="Helvetica [pyrs]" charset="0"/>
-              </a:rPr>
-              <a:t>Independent/Target Variable : Class</a:t>
-            </a:r>
-            <a:endParaRPr lang="en-US">
-              <a:latin typeface="Helvetica [pyrs]" charset="0"/>
-              <a:cs typeface="Helvetica [pyrs]" charset="0"/>
-            </a:endParaRPr>
-          </a:p>
-          <a:p>
-            <a:pPr marL="342900" indent="-342900">
-              <a:buAutoNum type="arabicPeriod"/>
-            </a:pPr>
-            <a:r>
-              <a:rPr lang="en-US">
-                <a:latin typeface="Helvetica [pyrs]" charset="0"/>
-                <a:cs typeface="Helvetica [pyrs]" charset="0"/>
-              </a:rPr>
-              <a:t>Missing </a:t>
-            </a:r>
-            <a:r>
-              <a:rPr lang="en-US" altLang="en-US">
-                <a:latin typeface="Helvetica [pyrs]" charset="0"/>
-                <a:cs typeface="Helvetica [pyrs]" charset="0"/>
-              </a:rPr>
-              <a:t>V</a:t>
-            </a:r>
-            <a:r>
-              <a:rPr lang="en-US">
-                <a:latin typeface="Helvetica [pyrs]" charset="0"/>
-                <a:cs typeface="Helvetica [pyrs]" charset="0"/>
-              </a:rPr>
-              <a:t>alues : </a:t>
-            </a:r>
-            <a:r>
-              <a:rPr lang="en-US" altLang="en-US">
-                <a:latin typeface="Helvetica [pyrs]" charset="0"/>
-                <a:cs typeface="Helvetica [pyrs]" charset="0"/>
-              </a:rPr>
-              <a:t>13</a:t>
-            </a:r>
-            <a:endParaRPr lang="en-US" altLang="en-US">
-              <a:latin typeface="Helvetica [pyrs]" charset="0"/>
-              <a:cs typeface="Helvetica [pyrs]" charset="0"/>
-            </a:endParaRPr>
-          </a:p>
-        </p:txBody>
-      </p:sp>
-      <p:sp>
-        <p:nvSpPr>
-          <p:cNvPr id="8" name="Text Box 7"/>
-          <p:cNvSpPr txBox="true"/>
-          <p:nvPr/>
-        </p:nvSpPr>
-        <p:spPr>
-          <a:xfrm>
-            <a:off x="647700" y="1386205"/>
-            <a:ext cx="1565910" cy="368300"/>
-          </a:xfrm>
-          <a:prstGeom prst="rect">
-            <a:avLst/>
-          </a:prstGeom>
-          <a:noFill/>
-        </p:spPr>
-        <p:txBody>
-          <a:bodyPr wrap="none" rtlCol="0">
-            <a:spAutoFit/>
-          </a:bodyPr>
-          <a:p>
-            <a:r>
-              <a:rPr lang="en-US" altLang="en-US">
-                <a:latin typeface="Consolas" panose="020B0609020204030204" charset="0"/>
-                <a:cs typeface="Consolas" panose="020B0609020204030204" charset="0"/>
-              </a:rPr>
-              <a:t>iris.head()</a:t>
-            </a:r>
-            <a:endParaRPr lang="en-US" altLang="en-US">
-              <a:latin typeface="Consolas" panose="020B0609020204030204" charset="0"/>
-              <a:cs typeface="Consolas" panose="020B0609020204030204" charset="0"/>
-            </a:endParaRPr>
-          </a:p>
-        </p:txBody>
-      </p:sp>
-      <p:sp>
-        <p:nvSpPr>
-          <p:cNvPr id="4" name="Slide Number Placeholder 3"/>
-          <p:cNvSpPr>
-            <a:spLocks noGrp="true"/>
-          </p:cNvSpPr>
-          <p:nvPr>
-            <p:ph type="sldNum" sz="quarter" idx="12"/>
-          </p:nvPr>
-        </p:nvSpPr>
-        <p:spPr/>
-        <p:txBody>
-          <a:bodyPr/>
-          <a:p>
-            <a:fld id="{565CE74E-AB26-4998-AD42-012C4C1AD076}" type="slidenum">
-              <a:rPr lang="zh-CN" altLang="en-US" smtClean="0"/>
-            </a:fld>
-            <a:endParaRPr lang="zh-CN" altLang="en-US"/>
-          </a:p>
-        </p:txBody>
-      </p:sp>
-      <p:sp>
-        <p:nvSpPr>
-          <p:cNvPr id="9" name="Footer Placeholder 8"/>
-          <p:cNvSpPr>
-            <a:spLocks noGrp="true"/>
-          </p:cNvSpPr>
-          <p:nvPr>
-            <p:ph type="ftr" sz="quarter" idx="11"/>
-          </p:nvPr>
-        </p:nvSpPr>
-        <p:spPr/>
-        <p:txBody>
-          <a:bodyPr/>
-          <a:p>
-            <a:r>
-              <a:rPr lang="zh-CN" altLang="en-US"/>
-              <a:t>©om</a:t>
-            </a:r>
-            <a:endParaRPr lang="zh-CN" altLang="en-US"/>
-          </a:p>
-        </p:txBody>
-      </p:sp>
-    </p:spTree>
-  </p:cSld>
-  <p:clrMapOvr>
-    <a:masterClrMapping/>
-  </p:clrMapOvr>
-  <p:transition>
-    <p:fade/>
-  </p:transition>
-</p:sld>
-</file>
-
-<file path=ppt/slides/slide5.xml><?xml version="1.0" encoding="utf-8"?>
-<p:sld xmlns:a="http://schemas.openxmlformats.org/drawingml/2006/main" xmlns:r="http://schemas.openxmlformats.org/officeDocument/2006/relationships" xmlns:p="http://schemas.openxmlformats.org/presentationml/2006/main">
-  <p:cSld>
-    <p:spTree>
-      <p:nvGrpSpPr>
-        <p:cNvPr id="1" name=""/>
-        <p:cNvGrpSpPr/>
-        <p:nvPr/>
-      </p:nvGrpSpPr>
-      <p:grpSpPr/>
-      <p:sp>
-        <p:nvSpPr>
-          <p:cNvPr id="2" name="Title 1"/>
-          <p:cNvSpPr>
-            <a:spLocks noGrp="true"/>
-          </p:cNvSpPr>
-          <p:nvPr>
-            <p:ph type="title"/>
-          </p:nvPr>
-        </p:nvSpPr>
-        <p:spPr/>
-        <p:txBody>
-          <a:bodyPr/>
-          <a:p>
-            <a:r>
-              <a:rPr lang="en-US" altLang="en-US" sz="2800">
-                <a:effectLst/>
-                <a:latin typeface="Helvetica [pyrs]" charset="0"/>
-                <a:cs typeface="Helvetica [pyrs]" charset="0"/>
-                <a:sym typeface="+mn-ea"/>
-              </a:rPr>
-              <a:t>Handling Missing Value</a:t>
-            </a:r>
-            <a:endParaRPr lang="en-US" altLang="en-US" sz="2800">
-              <a:effectLst/>
-              <a:latin typeface="Helvetica [pyrs]" charset="0"/>
-              <a:cs typeface="Helvetica [pyrs]" charset="0"/>
-              <a:sym typeface="+mn-ea"/>
-            </a:endParaRPr>
-          </a:p>
-        </p:txBody>
-      </p:sp>
-      <p:sp>
-        <p:nvSpPr>
-          <p:cNvPr id="7" name="Text Box 6"/>
-          <p:cNvSpPr txBox="true"/>
-          <p:nvPr/>
-        </p:nvSpPr>
-        <p:spPr>
-          <a:xfrm>
-            <a:off x="647700" y="3640455"/>
-            <a:ext cx="8758555" cy="1198880"/>
-          </a:xfrm>
-          <a:prstGeom prst="rect">
-            <a:avLst/>
-          </a:prstGeom>
-          <a:noFill/>
-        </p:spPr>
-        <p:txBody>
-          <a:bodyPr wrap="square" rtlCol="0" anchor="t">
-            <a:spAutoFit/>
-          </a:bodyPr>
-          <a:p>
-            <a:pPr indent="0">
-              <a:buNone/>
-            </a:pPr>
-            <a:r>
-              <a:rPr lang="en-US" altLang="en-US">
-                <a:latin typeface="Helvetica [pyrs]" charset="0"/>
-                <a:cs typeface="Helvetica [pyrs]" charset="0"/>
-              </a:rPr>
-              <a:t>if missing value &lt; 5 %, you can drop rows</a:t>
-            </a:r>
-            <a:endParaRPr lang="en-US" altLang="en-US">
-              <a:latin typeface="Helvetica [pyrs]" charset="0"/>
-              <a:cs typeface="Helvetica [pyrs]" charset="0"/>
-            </a:endParaRPr>
-          </a:p>
-          <a:p>
-            <a:pPr indent="0">
-              <a:buNone/>
-            </a:pPr>
-            <a:r>
-              <a:rPr lang="en-US" altLang="en-US">
-                <a:latin typeface="Consolas" panose="020B0609020204030204" charset="0"/>
-                <a:cs typeface="Consolas" panose="020B0609020204030204" charset="0"/>
-              </a:rPr>
-              <a:t>cleaniris = iris.dropna()</a:t>
-            </a:r>
-            <a:endParaRPr lang="en-US" altLang="en-US">
-              <a:latin typeface="Helvetica [pyrs]" charset="0"/>
-              <a:cs typeface="Helvetica [pyrs]" charset="0"/>
-            </a:endParaRPr>
-          </a:p>
-          <a:p>
-            <a:pPr indent="0">
-              <a:buNone/>
-            </a:pPr>
-            <a:endParaRPr lang="en-US" altLang="en-US">
-              <a:latin typeface="Helvetica [pyrs]" charset="0"/>
-              <a:cs typeface="Helvetica [pyrs]" charset="0"/>
-            </a:endParaRPr>
-          </a:p>
-          <a:p>
-            <a:pPr indent="0">
-              <a:buNone/>
-            </a:pPr>
-            <a:endParaRPr lang="en-US" altLang="en-US">
-              <a:latin typeface="Helvetica [pyrs]" charset="0"/>
-              <a:cs typeface="Helvetica [pyrs]" charset="0"/>
-            </a:endParaRPr>
-          </a:p>
-        </p:txBody>
-      </p:sp>
-      <p:sp>
-        <p:nvSpPr>
-          <p:cNvPr id="8" name="Text Box 7"/>
-          <p:cNvSpPr txBox="true"/>
-          <p:nvPr/>
-        </p:nvSpPr>
-        <p:spPr>
-          <a:xfrm>
-            <a:off x="647700" y="1386205"/>
-            <a:ext cx="5463540" cy="1198880"/>
-          </a:xfrm>
-          <a:prstGeom prst="rect">
-            <a:avLst/>
-          </a:prstGeom>
-          <a:noFill/>
-        </p:spPr>
-        <p:txBody>
-          <a:bodyPr wrap="none" rtlCol="0">
-            <a:spAutoFit/>
-          </a:bodyPr>
-          <a:p>
-            <a:pPr algn="l"/>
-            <a:r>
-              <a:rPr lang="en-US" altLang="en-US">
-                <a:latin typeface="Consolas" panose="020B0609020204030204" charset="0"/>
-                <a:cs typeface="Consolas" panose="020B0609020204030204" charset="0"/>
-              </a:rPr>
-              <a:t>missing_values_count = iris.isnull().sum()</a:t>
-            </a:r>
-            <a:endParaRPr lang="en-US" altLang="en-US">
-              <a:latin typeface="Consolas" panose="020B0609020204030204" charset="0"/>
-              <a:cs typeface="Consolas" panose="020B0609020204030204" charset="0"/>
-            </a:endParaRPr>
-          </a:p>
-          <a:p>
-            <a:pPr algn="l"/>
-            <a:r>
-              <a:rPr lang="en-US" altLang="en-US">
-                <a:latin typeface="Consolas" panose="020B0609020204030204" charset="0"/>
-                <a:cs typeface="Consolas" panose="020B0609020204030204" charset="0"/>
-              </a:rPr>
-              <a:t>total_missing = missing_values_count.sum()</a:t>
-            </a:r>
-            <a:endParaRPr lang="en-US" altLang="en-US">
-              <a:latin typeface="Consolas" panose="020B0609020204030204" charset="0"/>
-              <a:cs typeface="Consolas" panose="020B0609020204030204" charset="0"/>
-            </a:endParaRPr>
-          </a:p>
-          <a:p>
-            <a:pPr algn="l"/>
-            <a:r>
-              <a:rPr lang="en-US" altLang="en-US">
-                <a:latin typeface="Consolas" panose="020B0609020204030204" charset="0"/>
-                <a:cs typeface="Consolas" panose="020B0609020204030204" charset="0"/>
-              </a:rPr>
-              <a:t>total_cells = np.product(iris.shape)</a:t>
-            </a:r>
-            <a:endParaRPr lang="en-US" altLang="en-US">
-              <a:latin typeface="Consolas" panose="020B0609020204030204" charset="0"/>
-              <a:cs typeface="Consolas" panose="020B0609020204030204" charset="0"/>
-            </a:endParaRPr>
-          </a:p>
-          <a:p>
-            <a:pPr algn="l"/>
-            <a:r>
-              <a:rPr lang="en-US" altLang="en-US">
-                <a:latin typeface="Consolas" panose="020B0609020204030204" charset="0"/>
-                <a:cs typeface="Consolas" panose="020B0609020204030204" charset="0"/>
-              </a:rPr>
-              <a:t>total_missing/total_cells) * 100</a:t>
-            </a:r>
-            <a:endParaRPr lang="en-US" altLang="en-US">
-              <a:latin typeface="Consolas" panose="020B0609020204030204" charset="0"/>
-              <a:cs typeface="Consolas" panose="020B0609020204030204" charset="0"/>
-            </a:endParaRPr>
-          </a:p>
-        </p:txBody>
-      </p:sp>
-      <p:sp>
-        <p:nvSpPr>
-          <p:cNvPr id="4" name="Text Box 3"/>
-          <p:cNvSpPr txBox="true"/>
-          <p:nvPr/>
-        </p:nvSpPr>
-        <p:spPr>
-          <a:xfrm>
-            <a:off x="647700" y="2783840"/>
-            <a:ext cx="8758555" cy="368300"/>
-          </a:xfrm>
-          <a:prstGeom prst="rect">
-            <a:avLst/>
-          </a:prstGeom>
-          <a:noFill/>
-        </p:spPr>
-        <p:txBody>
-          <a:bodyPr wrap="square" rtlCol="0" anchor="t">
-            <a:spAutoFit/>
-          </a:bodyPr>
-          <a:p>
-            <a:pPr indent="0">
-              <a:buNone/>
-            </a:pPr>
-            <a:r>
-              <a:rPr lang="en-US" altLang="en-US">
-                <a:latin typeface="Helvetica [pyrs]" charset="0"/>
-                <a:cs typeface="Helvetica [pyrs]" charset="0"/>
-              </a:rPr>
-              <a:t>% missing value = 1.60 %</a:t>
-            </a:r>
-            <a:endParaRPr lang="en-US" altLang="en-US">
-              <a:latin typeface="Helvetica [pyrs]" charset="0"/>
-              <a:cs typeface="Helvetica [pyrs]" charset="0"/>
-            </a:endParaRPr>
-          </a:p>
-        </p:txBody>
-      </p:sp>
-      <p:pic>
-        <p:nvPicPr>
-          <p:cNvPr id="9" name="Picture 8"/>
-          <p:cNvPicPr>
-            <a:picLocks noChangeAspect="true"/>
-          </p:cNvPicPr>
-          <p:nvPr/>
-        </p:nvPicPr>
-        <p:blipFill>
-          <a:blip r:embed="rId1"/>
-          <a:stretch>
-            <a:fillRect/>
-          </a:stretch>
-        </p:blipFill>
-        <p:spPr>
-          <a:xfrm>
-            <a:off x="647700" y="4453890"/>
-            <a:ext cx="2428240" cy="692150"/>
-          </a:xfrm>
-          <a:prstGeom prst="rect">
-            <a:avLst/>
-          </a:prstGeom>
-        </p:spPr>
-      </p:pic>
-      <p:sp>
-        <p:nvSpPr>
-          <p:cNvPr id="5" name="Slide Number Placeholder 4"/>
-          <p:cNvSpPr>
-            <a:spLocks noGrp="true"/>
-          </p:cNvSpPr>
-          <p:nvPr>
-            <p:ph type="sldNum" sz="quarter" idx="12"/>
-          </p:nvPr>
-        </p:nvSpPr>
-        <p:spPr/>
-        <p:txBody>
-          <a:bodyPr/>
-          <a:p>
-            <a:fld id="{565CE74E-AB26-4998-AD42-012C4C1AD076}" type="slidenum">
-              <a:rPr lang="zh-CN" altLang="en-US" smtClean="0"/>
-            </a:fld>
-            <a:endParaRPr lang="zh-CN" altLang="en-US"/>
-          </a:p>
-        </p:txBody>
-      </p:sp>
-      <p:sp>
-        <p:nvSpPr>
-          <p:cNvPr id="6" name="Footer Placeholder 5"/>
-          <p:cNvSpPr>
-            <a:spLocks noGrp="true"/>
-          </p:cNvSpPr>
-          <p:nvPr>
-            <p:ph type="ftr" sz="quarter" idx="11"/>
-          </p:nvPr>
-        </p:nvSpPr>
-        <p:spPr/>
-        <p:txBody>
-          <a:bodyPr/>
-          <a:p>
-            <a:r>
-              <a:rPr lang="zh-CN" altLang="en-US"/>
-              <a:t>©om</a:t>
-            </a:r>
-            <a:endParaRPr lang="zh-CN" altLang="en-US"/>
-          </a:p>
-        </p:txBody>
-      </p:sp>
-    </p:spTree>
-  </p:cSld>
-  <p:clrMapOvr>
-    <a:masterClrMapping/>
-  </p:clrMapOvr>
-  <p:transition>
-    <p:fade/>
-  </p:transition>
-</p:sld>
-</file>
-
-<file path=ppt/slides/slide6.xml><?xml version="1.0" encoding="utf-8"?>
-<p:sld xmlns:a="http://schemas.openxmlformats.org/drawingml/2006/main" xmlns:r="http://schemas.openxmlformats.org/officeDocument/2006/relationships" xmlns:p="http://schemas.openxmlformats.org/presentationml/2006/main">
-  <p:cSld>
-    <p:spTree>
-      <p:nvGrpSpPr>
-        <p:cNvPr id="1" name=""/>
-        <p:cNvGrpSpPr/>
-        <p:nvPr/>
-      </p:nvGrpSpPr>
-      <p:grpSpPr/>
-      <p:sp>
-        <p:nvSpPr>
-          <p:cNvPr id="2" name="Title 1"/>
-          <p:cNvSpPr>
-            <a:spLocks noGrp="true"/>
-          </p:cNvSpPr>
-          <p:nvPr>
-            <p:ph type="title"/>
-          </p:nvPr>
-        </p:nvSpPr>
-        <p:spPr/>
-        <p:txBody>
-          <a:bodyPr/>
-          <a:p>
-            <a:r>
-              <a:rPr lang="en-US" altLang="en-US"/>
-              <a:t>Distribution of </a:t>
-            </a:r>
-            <a:r>
-              <a:rPr lang="en-US">
-                <a:latin typeface="Helvetica [pyrs]" charset="0"/>
-                <a:cs typeface="Helvetica [pyrs]" charset="0"/>
-                <a:sym typeface="+mn-ea"/>
-              </a:rPr>
-              <a:t>Dependent Variables</a:t>
-            </a:r>
-            <a:r>
-              <a:rPr lang="en-US" altLang="en-US">
-                <a:latin typeface="Helvetica [pyrs]" charset="0"/>
-                <a:cs typeface="Helvetica [pyrs]" charset="0"/>
-                <a:sym typeface="+mn-ea"/>
-              </a:rPr>
-              <a:t> (Histogram)</a:t>
-            </a:r>
-            <a:endParaRPr lang="en-US" altLang="en-US">
-              <a:latin typeface="Helvetica [pyrs]" charset="0"/>
-              <a:cs typeface="Helvetica [pyrs]" charset="0"/>
-              <a:sym typeface="+mn-ea"/>
-            </a:endParaRPr>
-          </a:p>
-        </p:txBody>
-      </p:sp>
-      <p:pic>
-        <p:nvPicPr>
-          <p:cNvPr id="4" name="Content Placeholder 3"/>
-          <p:cNvPicPr>
-            <a:picLocks noChangeAspect="true"/>
-          </p:cNvPicPr>
-          <p:nvPr>
-            <p:ph idx="1"/>
-          </p:nvPr>
-        </p:nvPicPr>
-        <p:blipFill>
-          <a:blip r:embed="rId1"/>
-          <a:stretch>
-            <a:fillRect/>
-          </a:stretch>
-        </p:blipFill>
-        <p:spPr>
-          <a:xfrm>
-            <a:off x="2256790" y="875030"/>
-            <a:ext cx="7653020" cy="4010025"/>
-          </a:xfrm>
-          <a:prstGeom prst="rect">
-            <a:avLst/>
-          </a:prstGeom>
-        </p:spPr>
-      </p:pic>
-      <p:sp>
-        <p:nvSpPr>
-          <p:cNvPr id="3" name="Content Placeholder 2"/>
-          <p:cNvSpPr>
-            <a:spLocks noGrp="true"/>
-          </p:cNvSpPr>
-          <p:nvPr/>
-        </p:nvSpPr>
-        <p:spPr>
-          <a:xfrm>
-            <a:off x="702945" y="5017770"/>
+            <a:off x="417830" y="4504055"/>
             <a:ext cx="10972800" cy="1444625"/>
           </a:xfrm>
           <a:prstGeom prst="rect">
@@ -5336,104 +5091,104 @@
             </a:lvl9pPr>
           </a:lstStyle>
           <a:p>
-            <a:pPr marL="0" indent="0">
+            <a:pPr marL="0" indent="0" algn="just">
               <a:buNone/>
             </a:pPr>
             <a:r>
-              <a:rPr sz="1800">
-                <a:latin typeface="Helvetica [pyrs]" charset="0"/>
-                <a:cs typeface="Helvetica [pyrs]" charset="0"/>
+              <a:rPr sz="2000">
+                <a:latin typeface="Helvetica" panose="00000400000000000000" charset="0"/>
+                <a:cs typeface="Helvetica" panose="00000400000000000000" charset="0"/>
                 <a:sym typeface="+mn-ea"/>
               </a:rPr>
               <a:t>Histogram</a:t>
             </a:r>
             <a:r>
-              <a:rPr lang="en-US" sz="1800">
-                <a:latin typeface="Helvetica [pyrs]" charset="0"/>
-                <a:cs typeface="Helvetica [pyrs]" charset="0"/>
+              <a:rPr lang="en-US" sz="2000">
+                <a:latin typeface="Helvetica" panose="00000400000000000000" charset="0"/>
+                <a:cs typeface="Helvetica" panose="00000400000000000000" charset="0"/>
                 <a:sym typeface="+mn-ea"/>
               </a:rPr>
               <a:t> </a:t>
             </a:r>
             <a:r>
-              <a:rPr sz="1800">
-                <a:latin typeface="Helvetica [pyrs]" charset="0"/>
-                <a:cs typeface="Helvetica [pyrs]" charset="0"/>
+              <a:rPr sz="2000">
+                <a:latin typeface="Helvetica" panose="00000400000000000000" charset="0"/>
+                <a:cs typeface="Helvetica" panose="00000400000000000000" charset="0"/>
                 <a:sym typeface="+mn-ea"/>
               </a:rPr>
               <a:t>representat</a:t>
             </a:r>
             <a:r>
-              <a:rPr lang="en-US" sz="1800">
-                <a:latin typeface="Helvetica [pyrs]" charset="0"/>
-                <a:cs typeface="Helvetica [pyrs]" charset="0"/>
+              <a:rPr lang="en-US" sz="2000">
+                <a:latin typeface="Helvetica" panose="00000400000000000000" charset="0"/>
+                <a:cs typeface="Helvetica" panose="00000400000000000000" charset="0"/>
                 <a:sym typeface="+mn-ea"/>
               </a:rPr>
               <a:t>e</a:t>
             </a:r>
             <a:r>
-              <a:rPr sz="1800">
-                <a:latin typeface="Helvetica [pyrs]" charset="0"/>
-                <a:cs typeface="Helvetica [pyrs]" charset="0"/>
+              <a:rPr sz="2000">
+                <a:latin typeface="Helvetica" panose="00000400000000000000" charset="0"/>
+                <a:cs typeface="Helvetica" panose="00000400000000000000" charset="0"/>
                 <a:sym typeface="+mn-ea"/>
               </a:rPr>
               <a:t> how the data points are distributed with respect to the frequency.</a:t>
             </a:r>
-            <a:endParaRPr sz="1800">
-              <a:latin typeface="Helvetica [pyrs]" charset="0"/>
-              <a:cs typeface="Helvetica [pyrs]" charset="0"/>
+            <a:endParaRPr sz="2000">
+              <a:latin typeface="Helvetica" panose="00000400000000000000" charset="0"/>
+              <a:cs typeface="Helvetica" panose="00000400000000000000" charset="0"/>
               <a:sym typeface="+mn-ea"/>
             </a:endParaRPr>
           </a:p>
           <a:p>
-            <a:pPr marL="0" indent="0">
+            <a:pPr marL="0" indent="0" algn="just">
               <a:buNone/>
             </a:pPr>
-            <a:endParaRPr sz="1800">
-              <a:latin typeface="Helvetica [pyrs]" charset="0"/>
-              <a:cs typeface="Helvetica [pyrs]" charset="0"/>
+            <a:endParaRPr sz="2000">
+              <a:latin typeface="Helvetica" panose="00000400000000000000" charset="0"/>
+              <a:cs typeface="Helvetica" panose="00000400000000000000" charset="0"/>
               <a:sym typeface="+mn-ea"/>
             </a:endParaRPr>
           </a:p>
           <a:p>
-            <a:pPr marL="0" indent="0">
+            <a:pPr marL="0" indent="0" algn="just">
               <a:buNone/>
             </a:pPr>
             <a:r>
-              <a:rPr lang="en-US" sz="1800">
-                <a:latin typeface="Helvetica [pyrs]" charset="0"/>
-                <a:cs typeface="Helvetica [pyrs]" charset="0"/>
+              <a:rPr lang="en-US" sz="2000">
+                <a:latin typeface="Helvetica" panose="00000400000000000000" charset="0"/>
+                <a:cs typeface="Helvetica" panose="00000400000000000000" charset="0"/>
                 <a:sym typeface="+mn-ea"/>
               </a:rPr>
               <a:t>We know that</a:t>
             </a:r>
             <a:r>
-              <a:rPr lang="en-US" altLang="en-US" sz="1800">
-                <a:latin typeface="Helvetica [pyrs]" charset="0"/>
-                <a:cs typeface="Helvetica [pyrs]" charset="0"/>
+              <a:rPr lang="en-US" altLang="en-US" sz="2000">
+                <a:latin typeface="Helvetica" panose="00000400000000000000" charset="0"/>
+                <a:cs typeface="Helvetica" panose="00000400000000000000" charset="0"/>
                 <a:sym typeface="+mn-ea"/>
               </a:rPr>
               <a:t>,</a:t>
             </a:r>
             <a:r>
-              <a:rPr lang="en-US" sz="1800">
-                <a:latin typeface="Helvetica [pyrs]" charset="0"/>
-                <a:cs typeface="Helvetica [pyrs]" charset="0"/>
+              <a:rPr lang="en-US" sz="2000">
+                <a:latin typeface="Helvetica" panose="00000400000000000000" charset="0"/>
+                <a:cs typeface="Helvetica" panose="00000400000000000000" charset="0"/>
                 <a:sym typeface="+mn-ea"/>
               </a:rPr>
               <a:t> </a:t>
             </a:r>
             <a:r>
-              <a:rPr sz="1800">
-                <a:latin typeface="Helvetica [pyrs]" charset="0"/>
-                <a:cs typeface="Helvetica [pyrs]" charset="0"/>
+              <a:rPr sz="2000">
+                <a:latin typeface="Helvetica" panose="00000400000000000000" charset="0"/>
+                <a:cs typeface="Helvetica" panose="00000400000000000000" charset="0"/>
                 <a:sym typeface="+mn-ea"/>
               </a:rPr>
               <a:t>at the overall distribution, petal length and petal width does not have a normal distribution, whereas sepal length and sepal width are uniformly distributed.</a:t>
             </a:r>
-            <a:endParaRPr sz="1800">
-              <a:latin typeface="Helvetica [pyrs]" charset="0"/>
-              <a:cs typeface="Helvetica [pyrs]" charset="0"/>
+            <a:endParaRPr sz="2000">
+              <a:latin typeface="Helvetica" panose="00000400000000000000" charset="0"/>
+              <a:cs typeface="Helvetica" panose="00000400000000000000" charset="0"/>
               <a:sym typeface="+mn-ea"/>
             </a:endParaRPr>
           </a:p>
@@ -5479,6 +5234,229 @@
               <a:t>©om</a:t>
             </a:r>
             <a:endParaRPr lang="zh-CN" altLang="en-US"/>
+          </a:p>
+        </p:txBody>
+      </p:sp>
+      <p:pic>
+        <p:nvPicPr>
+          <p:cNvPr id="8" name="Picture 7"/>
+          <p:cNvPicPr>
+            <a:picLocks noChangeAspect="true"/>
+          </p:cNvPicPr>
+          <p:nvPr/>
+        </p:nvPicPr>
+        <p:blipFill>
+          <a:blip r:embed="rId1"/>
+          <a:stretch>
+            <a:fillRect/>
+          </a:stretch>
+        </p:blipFill>
+        <p:spPr>
+          <a:xfrm>
+            <a:off x="407035" y="184785"/>
+            <a:ext cx="7777480" cy="4022090"/>
+          </a:xfrm>
+          <a:prstGeom prst="rect">
+            <a:avLst/>
+          </a:prstGeom>
+        </p:spPr>
+      </p:pic>
+      <p:grpSp>
+        <p:nvGrpSpPr>
+          <p:cNvPr id="21" name="Group 20"/>
+          <p:cNvGrpSpPr/>
+          <p:nvPr/>
+        </p:nvGrpSpPr>
+        <p:grpSpPr>
+          <a:xfrm flipV="true">
+            <a:off x="11390630" y="184785"/>
+            <a:ext cx="817245" cy="444500"/>
+            <a:chOff x="11390795" y="821634"/>
+            <a:chExt cx="817264" cy="596349"/>
+          </a:xfrm>
+        </p:grpSpPr>
+        <p:sp>
+          <p:nvSpPr>
+            <p:cNvPr id="19" name="Rectangle 18"/>
+            <p:cNvSpPr/>
+            <p:nvPr/>
+          </p:nvSpPr>
+          <p:spPr>
+            <a:xfrm>
+              <a:off x="11390795" y="821634"/>
+              <a:ext cx="647829" cy="596349"/>
+            </a:xfrm>
+            <a:prstGeom prst="rect">
+              <a:avLst/>
+            </a:prstGeom>
+            <a:solidFill>
+              <a:schemeClr val="accent5">
+                <a:lumMod val="50000"/>
+              </a:schemeClr>
+            </a:solidFill>
+            <a:ln>
+              <a:noFill/>
+            </a:ln>
+          </p:spPr>
+          <p:style>
+            <a:lnRef idx="2">
+              <a:schemeClr val="accent1">
+                <a:shade val="50000"/>
+              </a:schemeClr>
+            </a:lnRef>
+            <a:fillRef idx="1">
+              <a:schemeClr val="accent1"/>
+            </a:fillRef>
+            <a:effectRef idx="0">
+              <a:schemeClr val="accent1"/>
+            </a:effectRef>
+            <a:fontRef idx="minor">
+              <a:schemeClr val="lt1"/>
+            </a:fontRef>
+          </p:style>
+          <p:txBody>
+            <a:bodyPr rtlCol="0" anchor="ctr"/>
+            <a:p>
+              <a:pPr algn="ctr"/>
+              <a:endParaRPr lang="en-US"/>
+            </a:p>
+          </p:txBody>
+        </p:sp>
+        <p:sp>
+          <p:nvSpPr>
+            <p:cNvPr id="20" name="Rectangle 19"/>
+            <p:cNvSpPr/>
+            <p:nvPr/>
+          </p:nvSpPr>
+          <p:spPr>
+            <a:xfrm>
+              <a:off x="12038625" y="821634"/>
+              <a:ext cx="169434" cy="596349"/>
+            </a:xfrm>
+            <a:prstGeom prst="rect">
+              <a:avLst/>
+            </a:prstGeom>
+            <a:solidFill>
+              <a:schemeClr val="accent5">
+                <a:lumMod val="75000"/>
+              </a:schemeClr>
+            </a:solidFill>
+            <a:ln>
+              <a:noFill/>
+            </a:ln>
+          </p:spPr>
+          <p:style>
+            <a:lnRef idx="2">
+              <a:schemeClr val="accent1">
+                <a:shade val="50000"/>
+              </a:schemeClr>
+            </a:lnRef>
+            <a:fillRef idx="1">
+              <a:schemeClr val="accent1"/>
+            </a:fillRef>
+            <a:effectRef idx="0">
+              <a:schemeClr val="accent1"/>
+            </a:effectRef>
+            <a:fontRef idx="minor">
+              <a:schemeClr val="lt1"/>
+            </a:fontRef>
+          </p:style>
+          <p:txBody>
+            <a:bodyPr rtlCol="0" anchor="ctr"/>
+            <a:p>
+              <a:pPr algn="ctr"/>
+              <a:endParaRPr lang="en-US"/>
+            </a:p>
+          </p:txBody>
+        </p:sp>
+      </p:grpSp>
+      <p:sp>
+        <p:nvSpPr>
+          <p:cNvPr id="9" name="Rectangle 8"/>
+          <p:cNvSpPr/>
+          <p:nvPr/>
+        </p:nvSpPr>
+        <p:spPr>
+          <a:xfrm>
+            <a:off x="-635" y="6642000"/>
+            <a:ext cx="12193200" cy="216000"/>
+          </a:xfrm>
+          <a:prstGeom prst="rect">
+            <a:avLst/>
+          </a:prstGeom>
+          <a:solidFill>
+            <a:srgbClr val="754DC1"/>
+          </a:solidFill>
+          <a:ln>
+            <a:noFill/>
+          </a:ln>
+        </p:spPr>
+        <p:style>
+          <a:lnRef idx="2">
+            <a:schemeClr val="accent1">
+              <a:shade val="50000"/>
+            </a:schemeClr>
+          </a:lnRef>
+          <a:fillRef idx="1">
+            <a:schemeClr val="accent1"/>
+          </a:fillRef>
+          <a:effectRef idx="0">
+            <a:schemeClr val="accent1"/>
+          </a:effectRef>
+          <a:fontRef idx="minor">
+            <a:schemeClr val="lt1"/>
+          </a:fontRef>
+        </p:style>
+        <p:txBody>
+          <a:bodyPr rtlCol="0" anchor="ctr"/>
+          <a:p>
+            <a:pPr algn="ctr"/>
+            <a:endParaRPr lang="en-US"/>
+          </a:p>
+        </p:txBody>
+      </p:sp>
+      <p:sp>
+        <p:nvSpPr>
+          <p:cNvPr id="10" name="Rectangle 9"/>
+          <p:cNvSpPr/>
+          <p:nvPr/>
+        </p:nvSpPr>
+        <p:spPr>
+          <a:xfrm>
+            <a:off x="8618220" y="629285"/>
+            <a:ext cx="1188000" cy="72000"/>
+          </a:xfrm>
+          <a:prstGeom prst="rect">
+            <a:avLst/>
+          </a:prstGeom>
+          <a:solidFill>
+            <a:srgbClr val="754DC1"/>
+          </a:solidFill>
+          <a:ln>
+            <a:noFill/>
+          </a:ln>
+        </p:spPr>
+        <p:style>
+          <a:lnRef idx="2">
+            <a:schemeClr val="accent1">
+              <a:shade val="50000"/>
+            </a:schemeClr>
+          </a:lnRef>
+          <a:fillRef idx="1">
+            <a:schemeClr val="accent1"/>
+          </a:fillRef>
+          <a:effectRef idx="0">
+            <a:schemeClr val="accent1"/>
+          </a:effectRef>
+          <a:fontRef idx="minor">
+            <a:schemeClr val="lt1"/>
+          </a:fontRef>
+        </p:style>
+        <p:txBody>
+          <a:bodyPr rtlCol="0" anchor="ctr"/>
+          <a:p>
+            <a:pPr algn="ctr"/>
+            <a:endParaRPr lang="en-US"/>
           </a:p>
         </p:txBody>
       </p:sp>
@@ -5493,7 +5471,7 @@
 </p:sld>
 </file>
 
-<file path=ppt/slides/slide7.xml><?xml version="1.0" encoding="utf-8"?>
+<file path=ppt/slides/slide5.xml><?xml version="1.0" encoding="utf-8"?>
 <p:sld xmlns:a="http://schemas.openxmlformats.org/drawingml/2006/main" xmlns:r="http://schemas.openxmlformats.org/officeDocument/2006/relationships" xmlns:p="http://schemas.openxmlformats.org/presentationml/2006/main">
   <p:cSld>
     <p:spTree>
@@ -5513,62 +5491,45 @@
             <p:ph type="title"/>
           </p:nvPr>
         </p:nvSpPr>
-        <p:spPr/>
+        <p:spPr>
+          <a:xfrm>
+            <a:off x="609600" y="275908"/>
+            <a:ext cx="10972800" cy="1143000"/>
+          </a:xfrm>
+        </p:spPr>
         <p:txBody>
           <a:bodyPr/>
           <a:p>
             <a:r>
-              <a:rPr lang="en-US" altLang="en-US">
+              <a:rPr lang="en-US" altLang="en-US" sz="3600">
                 <a:sym typeface="+mn-ea"/>
               </a:rPr>
               <a:t>Distribution of </a:t>
             </a:r>
             <a:r>
-              <a:rPr lang="en-US">
-                <a:latin typeface="Helvetica [pyrs]" charset="0"/>
-                <a:cs typeface="Helvetica [pyrs]" charset="0"/>
+              <a:rPr lang="en-US" sz="3600">
+                <a:latin typeface="Helvetica" panose="00000400000000000000" charset="0"/>
+                <a:cs typeface="Helvetica" panose="00000400000000000000" charset="0"/>
                 <a:sym typeface="+mn-ea"/>
               </a:rPr>
               <a:t>Dependent Variables</a:t>
             </a:r>
             <a:r>
-              <a:rPr lang="en-US" altLang="en-US">
-                <a:latin typeface="Helvetica [pyrs]" charset="0"/>
-                <a:cs typeface="Helvetica [pyrs]" charset="0"/>
+              <a:rPr lang="en-US" altLang="en-US" sz="3600">
+                <a:latin typeface="Helvetica" panose="00000400000000000000" charset="0"/>
+                <a:cs typeface="Helvetica" panose="00000400000000000000" charset="0"/>
                 <a:sym typeface="+mn-ea"/>
               </a:rPr>
               <a:t> (Boxplot)</a:t>
             </a:r>
-            <a:endParaRPr lang="en-US"/>
-          </a:p>
-        </p:txBody>
-      </p:sp>
-      <p:pic>
-        <p:nvPicPr>
-          <p:cNvPr id="4" name="Content Placeholder 3"/>
-          <p:cNvPicPr>
-            <a:picLocks noChangeAspect="true"/>
-          </p:cNvPicPr>
-          <p:nvPr>
-            <p:ph idx="1"/>
-          </p:nvPr>
-        </p:nvPicPr>
-        <p:blipFill>
-          <a:blip r:embed="rId1"/>
-          <a:stretch>
-            <a:fillRect/>
-          </a:stretch>
-        </p:blipFill>
-        <p:spPr>
-          <a:xfrm>
-            <a:off x="609600" y="1560195"/>
-            <a:ext cx="7197090" cy="3996055"/>
-          </a:xfrm>
-          <a:prstGeom prst="rect">
-            <a:avLst/>
-          </a:prstGeom>
-        </p:spPr>
-      </p:pic>
+            <a:endParaRPr lang="en-US" altLang="en-US" sz="3600">
+              <a:latin typeface="Helvetica" panose="00000400000000000000" charset="0"/>
+              <a:cs typeface="Helvetica" panose="00000400000000000000" charset="0"/>
+              <a:sym typeface="+mn-ea"/>
+            </a:endParaRPr>
+          </a:p>
+        </p:txBody>
+      </p:sp>
       <p:sp>
         <p:nvSpPr>
           <p:cNvPr id="5" name="Text Box 4"/>
@@ -5596,14 +5557,14 @@
             </a:pPr>
             <a:r>
               <a:rPr lang="en-US" altLang="en-US">
-                <a:latin typeface="Helvetica [pyrs]" charset="0"/>
-                <a:cs typeface="Helvetica [pyrs]" charset="0"/>
+                <a:latin typeface="Helvetica" panose="00000400000000000000" charset="0"/>
+                <a:cs typeface="Helvetica" panose="00000400000000000000" charset="0"/>
               </a:rPr>
               <a:t>Iris setosa has outliers in Sepal Length, Sepal Width, Petal Width</a:t>
             </a:r>
             <a:endParaRPr lang="en-US" altLang="en-US">
-              <a:latin typeface="Helvetica [pyrs]" charset="0"/>
-              <a:cs typeface="Helvetica [pyrs]" charset="0"/>
+              <a:latin typeface="Helvetica" panose="00000400000000000000" charset="0"/>
+              <a:cs typeface="Helvetica" panose="00000400000000000000" charset="0"/>
             </a:endParaRPr>
           </a:p>
           <a:p>
@@ -5613,14 +5574,14 @@
             </a:pPr>
             <a:r>
               <a:rPr lang="en-US" altLang="en-US">
-                <a:latin typeface="Helvetica [pyrs]" charset="0"/>
-                <a:cs typeface="Helvetica [pyrs]" charset="0"/>
+                <a:latin typeface="Helvetica" panose="00000400000000000000" charset="0"/>
+                <a:cs typeface="Helvetica" panose="00000400000000000000" charset="0"/>
               </a:rPr>
               <a:t>Iris versi color has outlier only in Petal Length</a:t>
             </a:r>
             <a:endParaRPr lang="en-US" altLang="en-US">
-              <a:latin typeface="Helvetica [pyrs]" charset="0"/>
-              <a:cs typeface="Helvetica [pyrs]" charset="0"/>
+              <a:latin typeface="Helvetica" panose="00000400000000000000" charset="0"/>
+              <a:cs typeface="Helvetica" panose="00000400000000000000" charset="0"/>
             </a:endParaRPr>
           </a:p>
           <a:p>
@@ -5630,22 +5591,22 @@
             </a:pPr>
             <a:r>
               <a:rPr lang="en-US" altLang="en-US">
-                <a:latin typeface="Helvetica [pyrs]" charset="0"/>
-                <a:cs typeface="Helvetica [pyrs]" charset="0"/>
+                <a:latin typeface="Helvetica" panose="00000400000000000000" charset="0"/>
+                <a:cs typeface="Helvetica" panose="00000400000000000000" charset="0"/>
               </a:rPr>
               <a:t>Iris virginica has </a:t>
             </a:r>
             <a:r>
               <a:rPr lang="en-US" altLang="en-US">
-                <a:latin typeface="Helvetica [pyrs]" charset="0"/>
-                <a:cs typeface="Helvetica [pyrs]" charset="0"/>
+                <a:latin typeface="Helvetica" panose="00000400000000000000" charset="0"/>
+                <a:cs typeface="Helvetica" panose="00000400000000000000" charset="0"/>
                 <a:sym typeface="+mn-ea"/>
               </a:rPr>
               <a:t>outliers in Petal Length, and Sepal Length</a:t>
             </a:r>
             <a:endParaRPr lang="en-US" altLang="en-US">
-              <a:latin typeface="Helvetica [pyrs]" charset="0"/>
-              <a:cs typeface="Helvetica [pyrs]" charset="0"/>
+              <a:latin typeface="Helvetica" panose="00000400000000000000" charset="0"/>
+              <a:cs typeface="Helvetica" panose="00000400000000000000" charset="0"/>
             </a:endParaRPr>
           </a:p>
           <a:p>
@@ -5655,14 +5616,14 @@
             </a:pPr>
             <a:r>
               <a:rPr lang="en-US">
-                <a:latin typeface="Helvetica [pyrs]" charset="0"/>
-                <a:cs typeface="Helvetica [pyrs]" charset="0"/>
+                <a:latin typeface="Helvetica" panose="00000400000000000000" charset="0"/>
+                <a:cs typeface="Helvetica" panose="00000400000000000000" charset="0"/>
               </a:rPr>
               <a:t>While all the other boxplots looked perfectly balanced, we can see that that petal width for both setosa and versicolor are positively skewed as the median lie at the lower end of the boxplot.</a:t>
             </a:r>
             <a:endParaRPr lang="en-US">
-              <a:latin typeface="Helvetica [pyrs]" charset="0"/>
-              <a:cs typeface="Helvetica [pyrs]" charset="0"/>
+              <a:latin typeface="Helvetica" panose="00000400000000000000" charset="0"/>
+              <a:cs typeface="Helvetica" panose="00000400000000000000" charset="0"/>
             </a:endParaRPr>
           </a:p>
         </p:txBody>
@@ -5710,6 +5671,75 @@
           </a:p>
         </p:txBody>
       </p:sp>
+      <p:sp>
+        <p:nvSpPr>
+          <p:cNvPr id="12" name="Rectangle 11"/>
+          <p:cNvSpPr/>
+          <p:nvPr/>
+        </p:nvSpPr>
+        <p:spPr>
+          <a:xfrm>
+            <a:off x="-635" y="6642000"/>
+            <a:ext cx="12193200" cy="216000"/>
+          </a:xfrm>
+          <a:prstGeom prst="rect">
+            <a:avLst/>
+          </a:prstGeom>
+          <a:solidFill>
+            <a:srgbClr val="754DC1"/>
+          </a:solidFill>
+          <a:ln>
+            <a:noFill/>
+          </a:ln>
+        </p:spPr>
+        <p:style>
+          <a:lnRef idx="2">
+            <a:schemeClr val="accent1">
+              <a:shade val="50000"/>
+            </a:schemeClr>
+          </a:lnRef>
+          <a:fillRef idx="1">
+            <a:schemeClr val="accent1"/>
+          </a:fillRef>
+          <a:effectRef idx="0">
+            <a:schemeClr val="accent1"/>
+          </a:effectRef>
+          <a:fontRef idx="minor">
+            <a:schemeClr val="lt1"/>
+          </a:fontRef>
+        </p:style>
+        <p:txBody>
+          <a:bodyPr rtlCol="0" anchor="ctr"/>
+          <a:p>
+            <a:pPr algn="ctr"/>
+            <a:endParaRPr lang="en-US"/>
+          </a:p>
+        </p:txBody>
+      </p:sp>
+      <p:pic>
+        <p:nvPicPr>
+          <p:cNvPr id="9" name="Picture 8"/>
+          <p:cNvPicPr>
+            <a:picLocks noChangeAspect="true"/>
+          </p:cNvPicPr>
+          <p:nvPr/>
+        </p:nvPicPr>
+        <p:blipFill>
+          <a:blip r:embed="rId1"/>
+          <a:stretch>
+            <a:fillRect/>
+          </a:stretch>
+        </p:blipFill>
+        <p:spPr>
+          <a:xfrm>
+            <a:off x="351790" y="1478280"/>
+            <a:ext cx="7674610" cy="3902075"/>
+          </a:xfrm>
+          <a:prstGeom prst="rect">
+            <a:avLst/>
+          </a:prstGeom>
+        </p:spPr>
+      </p:pic>
     </p:spTree>
   </p:cSld>
   <p:clrMapOvr>
@@ -5721,7 +5751,7 @@
 </p:sld>
 </file>
 
-<file path=ppt/slides/slide8.xml><?xml version="1.0" encoding="utf-8"?>
+<file path=ppt/slides/slide6.xml><?xml version="1.0" encoding="utf-8"?>
 <p:sld xmlns:a="http://schemas.openxmlformats.org/drawingml/2006/main" xmlns:r="http://schemas.openxmlformats.org/officeDocument/2006/relationships" xmlns:p="http://schemas.openxmlformats.org/presentationml/2006/main">
   <p:cSld>
     <p:spTree>
@@ -5989,14 +6019,14 @@
             </a:pPr>
             <a:r>
               <a:rPr lang="en-US" altLang="en-US" sz="1800">
-                <a:latin typeface="Helvetica [pyrs]" charset="0"/>
-                <a:cs typeface="Helvetica [pyrs]" charset="0"/>
+                <a:latin typeface="Helvetica" panose="00000400000000000000" charset="0"/>
+                <a:cs typeface="Helvetica" panose="00000400000000000000" charset="0"/>
               </a:rPr>
               <a:t>We can conclude:</a:t>
             </a:r>
             <a:endParaRPr lang="en-US" sz="1800">
-              <a:latin typeface="Helvetica [pyrs]" charset="0"/>
-              <a:cs typeface="Helvetica [pyrs]" charset="0"/>
+              <a:latin typeface="Helvetica" panose="00000400000000000000" charset="0"/>
+              <a:cs typeface="Helvetica" panose="00000400000000000000" charset="0"/>
             </a:endParaRPr>
           </a:p>
           <a:p>
@@ -6005,14 +6035,14 @@
             </a:pPr>
             <a:r>
               <a:rPr lang="en-US" sz="1800">
-                <a:latin typeface="Helvetica [pyrs]" charset="0"/>
-                <a:cs typeface="Helvetica [pyrs]" charset="0"/>
+                <a:latin typeface="Helvetica" panose="00000400000000000000" charset="0"/>
+                <a:cs typeface="Helvetica" panose="00000400000000000000" charset="0"/>
               </a:rPr>
               <a:t>The distribution of Iris-Setosa petal is completely different from the other 2 species</a:t>
             </a:r>
             <a:endParaRPr lang="en-US" sz="1800">
-              <a:latin typeface="Helvetica [pyrs]" charset="0"/>
-              <a:cs typeface="Helvetica [pyrs]" charset="0"/>
+              <a:latin typeface="Helvetica" panose="00000400000000000000" charset="0"/>
+              <a:cs typeface="Helvetica" panose="00000400000000000000" charset="0"/>
             </a:endParaRPr>
           </a:p>
           <a:p>
@@ -6021,14 +6051,14 @@
             </a:pPr>
             <a:r>
               <a:rPr lang="en-US" sz="1800">
-                <a:latin typeface="Helvetica [pyrs]" charset="0"/>
-                <a:cs typeface="Helvetica [pyrs]" charset="0"/>
+                <a:latin typeface="Helvetica" panose="00000400000000000000" charset="0"/>
+                <a:cs typeface="Helvetica" panose="00000400000000000000" charset="0"/>
               </a:rPr>
               <a:t>Using sepal length and sepal width, we can’t separate one species from another as the distribution is overlapping</a:t>
             </a:r>
             <a:endParaRPr lang="en-US" sz="1800">
-              <a:latin typeface="Helvetica [pyrs]" charset="0"/>
-              <a:cs typeface="Helvetica [pyrs]" charset="0"/>
+              <a:latin typeface="Helvetica" panose="00000400000000000000" charset="0"/>
+              <a:cs typeface="Helvetica" panose="00000400000000000000" charset="0"/>
             </a:endParaRPr>
           </a:p>
           <a:p>
@@ -6037,14 +6067,14 @@
             </a:pPr>
             <a:r>
               <a:rPr lang="en-US" sz="1800">
-                <a:latin typeface="Helvetica [pyrs]" charset="0"/>
-                <a:cs typeface="Helvetica [pyrs]" charset="0"/>
+                <a:latin typeface="Helvetica" panose="00000400000000000000" charset="0"/>
+                <a:cs typeface="Helvetica" panose="00000400000000000000" charset="0"/>
               </a:rPr>
               <a:t>Iris-Setosa is not normally distributed by sepal length and petal width</a:t>
             </a:r>
             <a:endParaRPr lang="en-US" sz="1800">
-              <a:latin typeface="Helvetica [pyrs]" charset="0"/>
-              <a:cs typeface="Helvetica [pyrs]" charset="0"/>
+              <a:latin typeface="Helvetica" panose="00000400000000000000" charset="0"/>
+              <a:cs typeface="Helvetica" panose="00000400000000000000" charset="0"/>
             </a:endParaRPr>
           </a:p>
           <a:p>
@@ -6053,14 +6083,14 @@
             </a:pPr>
             <a:r>
               <a:rPr lang="en-US" sz="1800">
-                <a:latin typeface="Helvetica [pyrs]" charset="0"/>
-                <a:cs typeface="Helvetica [pyrs]" charset="0"/>
+                <a:latin typeface="Helvetica" panose="00000400000000000000" charset="0"/>
+                <a:cs typeface="Helvetica" panose="00000400000000000000" charset="0"/>
               </a:rPr>
               <a:t>Petal length can be used as a differentiating factor in terms of the distribution of the 3 flower species</a:t>
             </a:r>
             <a:endParaRPr lang="en-US" sz="1800">
-              <a:latin typeface="Helvetica [pyrs]" charset="0"/>
-              <a:cs typeface="Helvetica [pyrs]" charset="0"/>
+              <a:latin typeface="Helvetica" panose="00000400000000000000" charset="0"/>
+              <a:cs typeface="Helvetica" panose="00000400000000000000" charset="0"/>
             </a:endParaRPr>
           </a:p>
         </p:txBody>
@@ -6105,6 +6135,407 @@
               <a:t>©om</a:t>
             </a:r>
             <a:endParaRPr lang="zh-CN" altLang="en-US"/>
+          </a:p>
+        </p:txBody>
+      </p:sp>
+      <p:sp>
+        <p:nvSpPr>
+          <p:cNvPr id="12" name="Rectangle 11"/>
+          <p:cNvSpPr/>
+          <p:nvPr/>
+        </p:nvSpPr>
+        <p:spPr>
+          <a:xfrm>
+            <a:off x="-635" y="6642000"/>
+            <a:ext cx="12193200" cy="216000"/>
+          </a:xfrm>
+          <a:prstGeom prst="rect">
+            <a:avLst/>
+          </a:prstGeom>
+          <a:solidFill>
+            <a:srgbClr val="754DC1"/>
+          </a:solidFill>
+          <a:ln>
+            <a:noFill/>
+          </a:ln>
+        </p:spPr>
+        <p:style>
+          <a:lnRef idx="2">
+            <a:schemeClr val="accent1">
+              <a:shade val="50000"/>
+            </a:schemeClr>
+          </a:lnRef>
+          <a:fillRef idx="1">
+            <a:schemeClr val="accent1"/>
+          </a:fillRef>
+          <a:effectRef idx="0">
+            <a:schemeClr val="accent1"/>
+          </a:effectRef>
+          <a:fontRef idx="minor">
+            <a:schemeClr val="lt1"/>
+          </a:fontRef>
+        </p:style>
+        <p:txBody>
+          <a:bodyPr rtlCol="0" anchor="ctr"/>
+          <a:p>
+            <a:pPr algn="ctr"/>
+            <a:endParaRPr lang="en-US"/>
+          </a:p>
+        </p:txBody>
+      </p:sp>
+    </p:spTree>
+  </p:cSld>
+  <p:clrMapOvr>
+    <a:masterClrMapping/>
+  </p:clrMapOvr>
+  <p:transition>
+    <p:fade/>
+  </p:transition>
+</p:sld>
+</file>
+
+<file path=ppt/slides/slide7.xml><?xml version="1.0" encoding="utf-8"?>
+<p:sld xmlns:a="http://schemas.openxmlformats.org/drawingml/2006/main" xmlns:r="http://schemas.openxmlformats.org/officeDocument/2006/relationships" xmlns:p="http://schemas.openxmlformats.org/presentationml/2006/main">
+  <p:cSld>
+    <p:spTree>
+      <p:nvGrpSpPr>
+        <p:cNvPr id="1" name=""/>
+        <p:cNvGrpSpPr/>
+        <p:nvPr/>
+      </p:nvGrpSpPr>
+      <p:grpSpPr/>
+      <p:sp>
+        <p:nvSpPr>
+          <p:cNvPr id="2" name="Title 1"/>
+          <p:cNvSpPr>
+            <a:spLocks noGrp="true"/>
+          </p:cNvSpPr>
+          <p:nvPr>
+            <p:ph type="title"/>
+          </p:nvPr>
+        </p:nvSpPr>
+        <p:spPr/>
+        <p:txBody>
+          <a:bodyPr/>
+          <a:p>
+            <a:r>
+              <a:rPr lang="en-US" altLang="en-US"/>
+              <a:t>Correlation</a:t>
+            </a:r>
+            <a:endParaRPr lang="en-US" altLang="en-US"/>
+          </a:p>
+        </p:txBody>
+      </p:sp>
+      <p:pic>
+        <p:nvPicPr>
+          <p:cNvPr id="4" name="Content Placeholder 3"/>
+          <p:cNvPicPr>
+            <a:picLocks noChangeAspect="true"/>
+          </p:cNvPicPr>
+          <p:nvPr>
+            <p:ph idx="1"/>
+          </p:nvPr>
+        </p:nvPicPr>
+        <p:blipFill>
+          <a:blip r:embed="rId1"/>
+          <a:stretch>
+            <a:fillRect/>
+          </a:stretch>
+        </p:blipFill>
+        <p:spPr>
+          <a:xfrm>
+            <a:off x="3068955" y="1148080"/>
+            <a:ext cx="5155565" cy="3884930"/>
+          </a:xfrm>
+          <a:prstGeom prst="rect">
+            <a:avLst/>
+          </a:prstGeom>
+        </p:spPr>
+      </p:pic>
+      <p:sp>
+        <p:nvSpPr>
+          <p:cNvPr id="3" name="Text Box 2"/>
+          <p:cNvSpPr txBox="true"/>
+          <p:nvPr/>
+        </p:nvSpPr>
+        <p:spPr>
+          <a:xfrm>
+            <a:off x="1144905" y="5328920"/>
+            <a:ext cx="10062845" cy="922020"/>
+          </a:xfrm>
+          <a:prstGeom prst="rect">
+            <a:avLst/>
+          </a:prstGeom>
+          <a:noFill/>
+        </p:spPr>
+        <p:txBody>
+          <a:bodyPr wrap="square" rtlCol="0" anchor="t">
+            <a:spAutoFit/>
+          </a:bodyPr>
+          <a:p>
+            <a:pPr algn="just"/>
+            <a:r>
+              <a:rPr lang="en-US"/>
+              <a:t>From the </a:t>
+            </a:r>
+            <a:r>
+              <a:rPr lang="en-US" altLang="en-US"/>
+              <a:t>heatmat </a:t>
+            </a:r>
+            <a:r>
+              <a:rPr lang="en-US"/>
+              <a:t>plot, </a:t>
+            </a:r>
+            <a:r>
+              <a:rPr lang="en-US" altLang="en-US"/>
+              <a:t>we see </a:t>
+            </a:r>
+            <a:r>
+              <a:rPr lang="en-US"/>
+              <a:t>positive correlation between the length and width of all the species, however there is a distinguishing strong correlation and relationship between petal length and petal width.</a:t>
+            </a:r>
+            <a:endParaRPr lang="en-US"/>
+          </a:p>
+        </p:txBody>
+      </p:sp>
+      <p:sp>
+        <p:nvSpPr>
+          <p:cNvPr id="6" name="Slide Number Placeholder 5"/>
+          <p:cNvSpPr>
+            <a:spLocks noGrp="true"/>
+          </p:cNvSpPr>
+          <p:nvPr>
+            <p:ph type="sldNum" sz="quarter" idx="12"/>
+          </p:nvPr>
+        </p:nvSpPr>
+        <p:spPr/>
+        <p:txBody>
+          <a:bodyPr/>
+          <a:p>
+            <a:fld id="{565CE74E-AB26-4998-AD42-012C4C1AD076}" type="slidenum">
+              <a:rPr lang="zh-CN" altLang="en-US" smtClean="0"/>
+            </a:fld>
+            <a:endParaRPr lang="zh-CN" altLang="en-US"/>
+          </a:p>
+        </p:txBody>
+      </p:sp>
+      <p:sp>
+        <p:nvSpPr>
+          <p:cNvPr id="7" name="Footer Placeholder 6"/>
+          <p:cNvSpPr>
+            <a:spLocks noGrp="true"/>
+          </p:cNvSpPr>
+          <p:nvPr>
+            <p:ph type="ftr" sz="quarter" idx="11"/>
+          </p:nvPr>
+        </p:nvSpPr>
+        <p:spPr/>
+        <p:txBody>
+          <a:bodyPr/>
+          <a:p>
+            <a:r>
+              <a:rPr lang="zh-CN" altLang="en-US"/>
+              <a:t>©om</a:t>
+            </a:r>
+            <a:endParaRPr lang="zh-CN" altLang="en-US"/>
+          </a:p>
+        </p:txBody>
+      </p:sp>
+      <p:sp>
+        <p:nvSpPr>
+          <p:cNvPr id="12" name="Rectangle 11"/>
+          <p:cNvSpPr/>
+          <p:nvPr/>
+        </p:nvSpPr>
+        <p:spPr>
+          <a:xfrm>
+            <a:off x="-635" y="6642000"/>
+            <a:ext cx="12193200" cy="216000"/>
+          </a:xfrm>
+          <a:prstGeom prst="rect">
+            <a:avLst/>
+          </a:prstGeom>
+          <a:solidFill>
+            <a:srgbClr val="754DC1"/>
+          </a:solidFill>
+          <a:ln>
+            <a:noFill/>
+          </a:ln>
+        </p:spPr>
+        <p:style>
+          <a:lnRef idx="2">
+            <a:schemeClr val="accent1">
+              <a:shade val="50000"/>
+            </a:schemeClr>
+          </a:lnRef>
+          <a:fillRef idx="1">
+            <a:schemeClr val="accent1"/>
+          </a:fillRef>
+          <a:effectRef idx="0">
+            <a:schemeClr val="accent1"/>
+          </a:effectRef>
+          <a:fontRef idx="minor">
+            <a:schemeClr val="lt1"/>
+          </a:fontRef>
+        </p:style>
+        <p:txBody>
+          <a:bodyPr rtlCol="0" anchor="ctr"/>
+          <a:p>
+            <a:pPr algn="ctr"/>
+            <a:endParaRPr lang="en-US"/>
+          </a:p>
+        </p:txBody>
+      </p:sp>
+    </p:spTree>
+  </p:cSld>
+  <p:clrMapOvr>
+    <a:masterClrMapping/>
+  </p:clrMapOvr>
+  <p:transition>
+    <p:fade/>
+  </p:transition>
+</p:sld>
+</file>
+
+<file path=ppt/slides/slide8.xml><?xml version="1.0" encoding="utf-8"?>
+<p:sld xmlns:a="http://schemas.openxmlformats.org/drawingml/2006/main" xmlns:r="http://schemas.openxmlformats.org/officeDocument/2006/relationships" xmlns:p="http://schemas.openxmlformats.org/presentationml/2006/main">
+  <p:cSld>
+    <p:spTree>
+      <p:nvGrpSpPr>
+        <p:cNvPr id="1" name=""/>
+        <p:cNvGrpSpPr/>
+        <p:nvPr/>
+      </p:nvGrpSpPr>
+      <p:grpSpPr/>
+      <p:sp>
+        <p:nvSpPr>
+          <p:cNvPr id="2" name="Title 1"/>
+          <p:cNvSpPr>
+            <a:spLocks noGrp="true"/>
+          </p:cNvSpPr>
+          <p:nvPr>
+            <p:ph type="title"/>
+          </p:nvPr>
+        </p:nvSpPr>
+        <p:spPr/>
+        <p:txBody>
+          <a:bodyPr/>
+          <a:p>
+            <a:endParaRPr lang="en-US"/>
+          </a:p>
+        </p:txBody>
+      </p:sp>
+      <p:pic>
+        <p:nvPicPr>
+          <p:cNvPr id="4" name="Content Placeholder 3"/>
+          <p:cNvPicPr>
+            <a:picLocks noChangeAspect="true"/>
+          </p:cNvPicPr>
+          <p:nvPr>
+            <p:ph idx="1"/>
+          </p:nvPr>
+        </p:nvPicPr>
+        <p:blipFill>
+          <a:blip r:embed="rId1"/>
+          <a:stretch>
+            <a:fillRect/>
+          </a:stretch>
+        </p:blipFill>
+        <p:spPr>
+          <a:xfrm>
+            <a:off x="2423795" y="1275715"/>
+            <a:ext cx="7345045" cy="4306570"/>
+          </a:xfrm>
+          <a:prstGeom prst="rect">
+            <a:avLst/>
+          </a:prstGeom>
+        </p:spPr>
+      </p:pic>
+      <p:sp>
+        <p:nvSpPr>
+          <p:cNvPr id="5" name="Slide Number Placeholder 4"/>
+          <p:cNvSpPr>
+            <a:spLocks noGrp="true"/>
+          </p:cNvSpPr>
+          <p:nvPr>
+            <p:ph type="sldNum" sz="quarter" idx="12"/>
+          </p:nvPr>
+        </p:nvSpPr>
+        <p:spPr/>
+        <p:txBody>
+          <a:bodyPr/>
+          <a:p>
+            <a:fld id="{565CE74E-AB26-4998-AD42-012C4C1AD076}" type="slidenum">
+              <a:rPr lang="zh-CN" altLang="en-US" smtClean="0"/>
+            </a:fld>
+            <a:endParaRPr lang="zh-CN" altLang="en-US"/>
+          </a:p>
+        </p:txBody>
+      </p:sp>
+      <p:sp>
+        <p:nvSpPr>
+          <p:cNvPr id="6" name="Footer Placeholder 5"/>
+          <p:cNvSpPr>
+            <a:spLocks noGrp="true"/>
+          </p:cNvSpPr>
+          <p:nvPr>
+            <p:ph type="ftr" sz="quarter" idx="11"/>
+          </p:nvPr>
+        </p:nvSpPr>
+        <p:spPr/>
+        <p:txBody>
+          <a:bodyPr/>
+          <a:p>
+            <a:r>
+              <a:rPr lang="zh-CN" altLang="en-US"/>
+              <a:t>©om</a:t>
+            </a:r>
+            <a:endParaRPr lang="zh-CN" altLang="en-US"/>
+          </a:p>
+        </p:txBody>
+      </p:sp>
+      <p:sp>
+        <p:nvSpPr>
+          <p:cNvPr id="12" name="Rectangle 11"/>
+          <p:cNvSpPr/>
+          <p:nvPr/>
+        </p:nvSpPr>
+        <p:spPr>
+          <a:xfrm>
+            <a:off x="-635" y="6642000"/>
+            <a:ext cx="12193200" cy="216000"/>
+          </a:xfrm>
+          <a:prstGeom prst="rect">
+            <a:avLst/>
+          </a:prstGeom>
+          <a:solidFill>
+            <a:srgbClr val="754DC1"/>
+          </a:solidFill>
+          <a:ln>
+            <a:noFill/>
+          </a:ln>
+        </p:spPr>
+        <p:style>
+          <a:lnRef idx="2">
+            <a:schemeClr val="accent1">
+              <a:shade val="50000"/>
+            </a:schemeClr>
+          </a:lnRef>
+          <a:fillRef idx="1">
+            <a:schemeClr val="accent1"/>
+          </a:fillRef>
+          <a:effectRef idx="0">
+            <a:schemeClr val="accent1"/>
+          </a:effectRef>
+          <a:fontRef idx="minor">
+            <a:schemeClr val="lt1"/>
+          </a:fontRef>
+        </p:style>
+        <p:txBody>
+          <a:bodyPr rtlCol="0" anchor="ctr"/>
+          <a:p>
+            <a:pPr algn="ctr"/>
+            <a:endParaRPr lang="en-US"/>
           </a:p>
         </p:txBody>
       </p:sp>
@@ -6129,28 +6560,6 @@
         <p:nvPr/>
       </p:nvGrpSpPr>
       <p:grpSpPr/>
-      <p:sp>
-        <p:nvSpPr>
-          <p:cNvPr id="2" name="Title 1"/>
-          <p:cNvSpPr>
-            <a:spLocks noGrp="true"/>
-          </p:cNvSpPr>
-          <p:nvPr>
-            <p:ph type="title"/>
-          </p:nvPr>
-        </p:nvSpPr>
-        <p:spPr/>
-        <p:txBody>
-          <a:bodyPr/>
-          <a:p>
-            <a:r>
-              <a:rPr lang="en-US" altLang="en-US"/>
-              <a:t>Correlation</a:t>
-            </a:r>
-            <a:endParaRPr lang="en-US" altLang="en-US"/>
-          </a:p>
-        </p:txBody>
-      </p:sp>
       <p:pic>
         <p:nvPicPr>
           <p:cNvPr id="4" name="Content Placeholder 3"/>
@@ -6169,8 +6578,8 @@
         </p:blipFill>
         <p:spPr>
           <a:xfrm>
-            <a:off x="3068955" y="1148080"/>
-            <a:ext cx="5155565" cy="3884930"/>
+            <a:off x="1285875" y="1280795"/>
+            <a:ext cx="5074285" cy="4953000"/>
           </a:xfrm>
           <a:prstGeom prst="rect">
             <a:avLst/>
@@ -6179,14 +6588,14 @@
       </p:pic>
       <p:sp>
         <p:nvSpPr>
-          <p:cNvPr id="3" name="Text Box 2"/>
+          <p:cNvPr id="5" name="Text Box 4"/>
           <p:cNvSpPr txBox="true"/>
           <p:nvPr/>
         </p:nvSpPr>
         <p:spPr>
           <a:xfrm>
-            <a:off x="1144905" y="5328920"/>
-            <a:ext cx="10062845" cy="922020"/>
+            <a:off x="7171690" y="1607820"/>
+            <a:ext cx="2910840" cy="2861310"/>
           </a:xfrm>
           <a:prstGeom prst="rect">
             <a:avLst/>
@@ -6194,38 +6603,116 @@
           <a:noFill/>
         </p:spPr>
         <p:txBody>
-          <a:bodyPr wrap="square" rtlCol="0" anchor="t">
+          <a:bodyPr wrap="none" rtlCol="0">
             <a:spAutoFit/>
           </a:bodyPr>
           <a:p>
-            <a:pPr algn="just"/>
-            <a:r>
-              <a:rPr lang="en-US"/>
-              <a:t>From the </a:t>
-            </a:r>
+            <a:pPr algn="l"/>
             <a:r>
               <a:rPr lang="en-US" altLang="en-US"/>
-              <a:t>heatmat </a:t>
-            </a:r>
-            <a:r>
-              <a:rPr lang="en-US"/>
-              <a:t>plot, </a:t>
-            </a:r>
+              <a:t>Iris virginica</a:t>
+            </a:r>
+            <a:endParaRPr lang="en-US" altLang="en-US"/>
+          </a:p>
+          <a:p>
+            <a:pPr algn="l"/>
             <a:r>
               <a:rPr lang="en-US" altLang="en-US"/>
-              <a:t>we see </a:t>
-            </a:r>
-            <a:r>
-              <a:rPr lang="en-US"/>
-              <a:t>positive correlation between the length and width of all the species, however there is a distinguishing strong correlation and relationship between petal length and petal width.</a:t>
-            </a:r>
-            <a:endParaRPr lang="en-US"/>
-          </a:p>
-        </p:txBody>
-      </p:sp>
-      <p:sp>
-        <p:nvSpPr>
-          <p:cNvPr id="6" name="Slide Number Placeholder 5"/>
+              <a:t>0.8 </a:t>
+            </a:r>
+            <a:r>
+              <a:rPr lang="en-US" altLang="en-US">
+                <a:latin typeface="Droid Sans Fallback" panose="020B0502000000000001" charset="-122"/>
+                <a:cs typeface="Droid Sans Fallback" panose="020B0502000000000001" charset="-122"/>
+                <a:sym typeface="+mn-ea"/>
+              </a:rPr>
+              <a:t>≤</a:t>
+            </a:r>
+            <a:r>
+              <a:rPr lang="en-US" altLang="en-US"/>
+              <a:t> PetalWidthCm </a:t>
+            </a:r>
+            <a:r>
+              <a:rPr lang="en-US" altLang="en-US">
+                <a:latin typeface="Droid Sans Fallback" panose="020B0502000000000001" charset="-122"/>
+                <a:cs typeface="Droid Sans Fallback" panose="020B0502000000000001" charset="-122"/>
+                <a:sym typeface="+mn-ea"/>
+              </a:rPr>
+              <a:t>≤</a:t>
+            </a:r>
+            <a:r>
+              <a:rPr lang="en-US" altLang="en-US"/>
+              <a:t> 1.75</a:t>
+            </a:r>
+            <a:endParaRPr lang="en-US" altLang="en-US"/>
+          </a:p>
+          <a:p>
+            <a:pPr algn="l"/>
+            <a:endParaRPr lang="en-US" altLang="en-US"/>
+          </a:p>
+          <a:p>
+            <a:pPr algn="l"/>
+            <a:r>
+              <a:rPr lang="en-US" altLang="en-US"/>
+              <a:t>Iris setosa</a:t>
+            </a:r>
+            <a:endParaRPr lang="en-US" altLang="en-US"/>
+          </a:p>
+          <a:p>
+            <a:pPr algn="l"/>
+            <a:r>
+              <a:rPr lang="en-US" altLang="en-US"/>
+              <a:t>PetalWidthCm </a:t>
+            </a:r>
+            <a:r>
+              <a:rPr lang="en-US" altLang="en-US">
+                <a:latin typeface="Droid Sans Fallback" panose="020B0502000000000001" charset="-122"/>
+                <a:cs typeface="Droid Sans Fallback" panose="020B0502000000000001" charset="-122"/>
+              </a:rPr>
+              <a:t>≤</a:t>
+            </a:r>
+            <a:r>
+              <a:rPr lang="en-US" altLang="en-US"/>
+              <a:t> 0.8</a:t>
+            </a:r>
+            <a:endParaRPr lang="en-US" altLang="en-US"/>
+          </a:p>
+          <a:p>
+            <a:pPr algn="l"/>
+            <a:endParaRPr lang="en-US" altLang="en-US"/>
+          </a:p>
+          <a:p>
+            <a:pPr algn="l"/>
+            <a:r>
+              <a:rPr lang="en-US" altLang="en-US"/>
+              <a:t>Iris versicolor</a:t>
+            </a:r>
+            <a:endParaRPr lang="en-US" altLang="en-US"/>
+          </a:p>
+          <a:p>
+            <a:pPr algn="l"/>
+            <a:r>
+              <a:rPr lang="en-US" altLang="en-US">
+                <a:latin typeface="Droid Sans Fallback" panose="020B0502000000000001" charset="-122"/>
+                <a:cs typeface="Droid Sans Fallback" panose="020B0502000000000001" charset="-122"/>
+                <a:sym typeface="+mn-ea"/>
+              </a:rPr>
+              <a:t>≤ </a:t>
+            </a:r>
+            <a:endParaRPr lang="en-US" altLang="en-US"/>
+          </a:p>
+          <a:p>
+            <a:pPr algn="l"/>
+            <a:endParaRPr lang="en-US" altLang="en-US"/>
+          </a:p>
+          <a:p>
+            <a:endParaRPr lang="en-US" altLang="en-US"/>
+          </a:p>
+        </p:txBody>
+      </p:sp>
+      <p:sp>
+        <p:nvSpPr>
+          <p:cNvPr id="3" name="Slide Number Placeholder 2"/>
           <p:cNvSpPr>
             <a:spLocks noGrp="true"/>
           </p:cNvSpPr>
@@ -6246,7 +6733,7 @@
       </p:sp>
       <p:sp>
         <p:nvSpPr>
-          <p:cNvPr id="7" name="Footer Placeholder 6"/>
+          <p:cNvPr id="6" name="Footer Placeholder 5"/>
           <p:cNvSpPr>
             <a:spLocks noGrp="true"/>
           </p:cNvSpPr>
@@ -6263,6 +6750,51 @@
               <a:t>©om</a:t>
             </a:r>
             <a:endParaRPr lang="zh-CN" altLang="en-US"/>
+          </a:p>
+        </p:txBody>
+      </p:sp>
+      <p:sp>
+        <p:nvSpPr>
+          <p:cNvPr id="12" name="Rectangle 11"/>
+          <p:cNvSpPr/>
+          <p:nvPr/>
+        </p:nvSpPr>
+        <p:spPr>
+          <a:xfrm>
+            <a:off x="-635" y="6642000"/>
+            <a:ext cx="12193200" cy="216000"/>
+          </a:xfrm>
+          <a:prstGeom prst="rect">
+            <a:avLst/>
+          </a:prstGeom>
+          <a:solidFill>
+            <a:srgbClr val="754DC1"/>
+          </a:solidFill>
+          <a:ln>
+            <a:noFill/>
+          </a:ln>
+        </p:spPr>
+        <p:style>
+          <a:lnRef idx="2">
+            <a:schemeClr val="accent1">
+              <a:shade val="50000"/>
+            </a:schemeClr>
+          </a:lnRef>
+          <a:fillRef idx="1">
+            <a:schemeClr val="accent1"/>
+          </a:fillRef>
+          <a:effectRef idx="0">
+            <a:schemeClr val="accent1"/>
+          </a:effectRef>
+          <a:fontRef idx="minor">
+            <a:schemeClr val="lt1"/>
+          </a:fontRef>
+        </p:style>
+        <p:txBody>
+          <a:bodyPr rtlCol="0" anchor="ctr"/>
+          <a:p>
+            <a:pPr algn="ctr"/>
+            <a:endParaRPr lang="en-US"/>
           </a:p>
         </p:txBody>
       </p:sp>
@@ -7227,4 +7759,263 @@
     </a:ext>
   </a:extLst>
 </a:theme>
+</file>
+
+<file path=ppt/theme/theme3.xml><?xml version="1.0" encoding="utf-8"?>
+<a:theme xmlns:a="http://schemas.openxmlformats.org/drawingml/2006/main" name="Office Theme">
+  <a:themeElements>
+    <a:clrScheme name="Office">
+      <a:dk1>
+        <a:sysClr val="windowText" lastClr="000000"/>
+      </a:dk1>
+      <a:lt1>
+        <a:sysClr val="window" lastClr="FFFFFF"/>
+      </a:lt1>
+      <a:dk2>
+        <a:srgbClr val="44546A"/>
+      </a:dk2>
+      <a:lt2>
+        <a:srgbClr val="E7E6E6"/>
+      </a:lt2>
+      <a:accent1>
+        <a:srgbClr val="5B9BD5"/>
+      </a:accent1>
+      <a:accent2>
+        <a:srgbClr val="ED7D31"/>
+      </a:accent2>
+      <a:accent3>
+        <a:srgbClr val="A5A5A5"/>
+      </a:accent3>
+      <a:accent4>
+        <a:srgbClr val="FFC000"/>
+      </a:accent4>
+      <a:accent5>
+        <a:srgbClr val="4472C4"/>
+      </a:accent5>
+      <a:accent6>
+        <a:srgbClr val="70AD47"/>
+      </a:accent6>
+      <a:hlink>
+        <a:srgbClr val="0563C1"/>
+      </a:hlink>
+      <a:folHlink>
+        <a:srgbClr val="954F72"/>
+      </a:folHlink>
+    </a:clrScheme>
+    <a:fontScheme name="Office">
+      <a:majorFont>
+        <a:latin typeface="Calibri Light"/>
+        <a:ea typeface=""/>
+        <a:cs typeface=""/>
+        <a:font script="Jpan" typeface="ＭＳ Ｐゴシック"/>
+        <a:font script="Hang" typeface="맑은 고딕"/>
+        <a:font script="Hans" typeface="宋体"/>
+        <a:font script="Hant" typeface="新細明體"/>
+        <a:font script="Arab" typeface="Times New Roman"/>
+        <a:font script="Hebr" typeface="Times New Roman"/>
+        <a:font script="Thai" typeface="Angsana New"/>
+        <a:font script="Ethi" typeface="Nyala"/>
+        <a:font script="Beng" typeface="Vrinda"/>
+        <a:font script="Gujr" typeface="Shruti"/>
+        <a:font script="Khmr" typeface="MoolBoran"/>
+        <a:font script="Knda" typeface="Tunga"/>
+        <a:font script="Guru" typeface="Raavi"/>
+        <a:font script="Cans" typeface="Euphemia"/>
+        <a:font script="Cher" typeface="Plantagenet Cherokee"/>
+        <a:font script="Yiii" typeface="Microsoft Yi Baiti"/>
+        <a:font script="Tibt" typeface="Microsoft Himalaya"/>
+        <a:font script="Thaa" typeface="MV Boli"/>
+        <a:font script="Deva" typeface="Mangal"/>
+        <a:font script="Telu" typeface="Gautami"/>
+        <a:font script="Taml" typeface="Latha"/>
+        <a:font script="Syrc" typeface="Estrangelo Edessa"/>
+        <a:font script="Orya" typeface="Kalinga"/>
+        <a:font script="Mlym" typeface="Kartika"/>
+        <a:font script="Laoo" typeface="DokChampa"/>
+        <a:font script="Sinh" typeface="Iskoola Pota"/>
+        <a:font script="Mong" typeface="Mongolian Baiti"/>
+        <a:font script="Viet" typeface="Times New Roman"/>
+        <a:font script="Uigh" typeface="Microsoft Uighur"/>
+        <a:font script="Geor" typeface="Sylfaen"/>
+      </a:majorFont>
+      <a:minorFont>
+        <a:latin typeface="Calibri"/>
+        <a:ea typeface=""/>
+        <a:cs typeface=""/>
+        <a:font script="Jpan" typeface="ＭＳ Ｐゴシック"/>
+        <a:font script="Hang" typeface="맑은 고딕"/>
+        <a:font script="Hans" typeface="宋体"/>
+        <a:font script="Hant" typeface="新細明體"/>
+        <a:font script="Arab" typeface="Arial"/>
+        <a:font script="Hebr" typeface="Arial"/>
+        <a:font script="Thai" typeface="Cordia New"/>
+        <a:font script="Ethi" typeface="Nyala"/>
+        <a:font script="Beng" typeface="Vrinda"/>
+        <a:font script="Gujr" typeface="Shruti"/>
+        <a:font script="Khmr" typeface="DaunPenh"/>
+        <a:font script="Knda" typeface="Tunga"/>
+        <a:font script="Guru" typeface="Raavi"/>
+        <a:font script="Cans" typeface="Euphemia"/>
+        <a:font script="Cher" typeface="Plantagenet Cherokee"/>
+        <a:font script="Yiii" typeface="Microsoft Yi Baiti"/>
+        <a:font script="Tibt" typeface="Microsoft Himalaya"/>
+        <a:font script="Thaa" typeface="MV Boli"/>
+        <a:font script="Deva" typeface="Mangal"/>
+        <a:font script="Telu" typeface="Gautami"/>
+        <a:font script="Taml" typeface="Latha"/>
+        <a:font script="Syrc" typeface="Estrangelo Edessa"/>
+        <a:font script="Orya" typeface="Kalinga"/>
+        <a:font script="Mlym" typeface="Kartika"/>
+        <a:font script="Laoo" typeface="DokChampa"/>
+        <a:font script="Sinh" typeface="Iskoola Pota"/>
+        <a:font script="Mong" typeface="Mongolian Baiti"/>
+        <a:font script="Viet" typeface="Arial"/>
+        <a:font script="Uigh" typeface="Microsoft Uighur"/>
+        <a:font script="Geor" typeface="Sylfaen"/>
+      </a:minorFont>
+    </a:fontScheme>
+    <a:fmtScheme name="Office">
+      <a:fillStyleLst>
+        <a:solidFill>
+          <a:schemeClr val="phClr"/>
+        </a:solidFill>
+        <a:gradFill rotWithShape="true">
+          <a:gsLst>
+            <a:gs pos="0">
+              <a:schemeClr val="phClr">
+                <a:lumMod val="110000"/>
+                <a:satMod val="105000"/>
+                <a:tint val="67000"/>
+              </a:schemeClr>
+            </a:gs>
+            <a:gs pos="50000">
+              <a:schemeClr val="phClr">
+                <a:lumMod val="105000"/>
+                <a:satMod val="103000"/>
+                <a:tint val="73000"/>
+              </a:schemeClr>
+            </a:gs>
+            <a:gs pos="100000">
+              <a:schemeClr val="phClr">
+                <a:lumMod val="105000"/>
+                <a:satMod val="109000"/>
+                <a:tint val="81000"/>
+              </a:schemeClr>
+            </a:gs>
+          </a:gsLst>
+          <a:lin ang="5400000" scaled="false"/>
+        </a:gradFill>
+        <a:gradFill rotWithShape="true">
+          <a:gsLst>
+            <a:gs pos="0">
+              <a:schemeClr val="phClr">
+                <a:satMod val="103000"/>
+                <a:lumMod val="102000"/>
+                <a:tint val="94000"/>
+              </a:schemeClr>
+            </a:gs>
+            <a:gs pos="50000">
+              <a:schemeClr val="phClr">
+                <a:satMod val="110000"/>
+                <a:lumMod val="100000"/>
+                <a:shade val="100000"/>
+              </a:schemeClr>
+            </a:gs>
+            <a:gs pos="100000">
+              <a:schemeClr val="phClr">
+                <a:lumMod val="99000"/>
+                <a:satMod val="120000"/>
+                <a:shade val="78000"/>
+              </a:schemeClr>
+            </a:gs>
+          </a:gsLst>
+          <a:lin ang="5400000" scaled="false"/>
+        </a:gradFill>
+      </a:fillStyleLst>
+      <a:lnStyleLst>
+        <a:ln w="6350" cap="flat" cmpd="sng" algn="ctr">
+          <a:solidFill>
+            <a:schemeClr val="phClr"/>
+          </a:solidFill>
+          <a:prstDash val="solid"/>
+          <a:miter lim="800000"/>
+        </a:ln>
+        <a:ln w="12700" cap="flat" cmpd="sng" algn="ctr">
+          <a:solidFill>
+            <a:schemeClr val="phClr"/>
+          </a:solidFill>
+          <a:prstDash val="solid"/>
+          <a:miter lim="800000"/>
+        </a:ln>
+        <a:ln w="19050" cap="flat" cmpd="sng" algn="ctr">
+          <a:solidFill>
+            <a:schemeClr val="phClr"/>
+          </a:solidFill>
+          <a:prstDash val="solid"/>
+          <a:miter lim="800000"/>
+        </a:ln>
+      </a:lnStyleLst>
+      <a:effectStyleLst>
+        <a:effectStyle>
+          <a:effectLst/>
+        </a:effectStyle>
+        <a:effectStyle>
+          <a:effectLst/>
+        </a:effectStyle>
+        <a:effectStyle>
+          <a:effectLst>
+            <a:outerShdw blurRad="57150" dist="19050" dir="5400000" algn="ctr" rotWithShape="0">
+              <a:srgbClr val="000000">
+                <a:alpha val="63000"/>
+              </a:srgbClr>
+            </a:outerShdw>
+          </a:effectLst>
+        </a:effectStyle>
+      </a:effectStyleLst>
+      <a:bgFillStyleLst>
+        <a:solidFill>
+          <a:schemeClr val="phClr"/>
+        </a:solidFill>
+        <a:solidFill>
+          <a:schemeClr val="phClr">
+            <a:tint val="95000"/>
+            <a:satMod val="170000"/>
+          </a:schemeClr>
+        </a:solidFill>
+        <a:gradFill rotWithShape="true">
+          <a:gsLst>
+            <a:gs pos="0">
+              <a:schemeClr val="phClr">
+                <a:tint val="93000"/>
+                <a:satMod val="150000"/>
+                <a:shade val="98000"/>
+                <a:lumMod val="102000"/>
+              </a:schemeClr>
+            </a:gs>
+            <a:gs pos="50000">
+              <a:schemeClr val="phClr">
+                <a:tint val="98000"/>
+                <a:satMod val="130000"/>
+                <a:shade val="90000"/>
+                <a:lumMod val="103000"/>
+              </a:schemeClr>
+            </a:gs>
+            <a:gs pos="100000">
+              <a:schemeClr val="phClr">
+                <a:shade val="63000"/>
+                <a:satMod val="120000"/>
+              </a:schemeClr>
+            </a:gs>
+          </a:gsLst>
+          <a:lin ang="5400000" scaled="false"/>
+        </a:gradFill>
+      </a:bgFillStyleLst>
+    </a:fmtScheme>
+  </a:themeElements>
+  <a:extLst>
+    <a:ext uri="{05A4C25C-085E-4340-85A3-A5531E510DB2}">
+      <thm15:themeFamily xmlns:thm15="http://schemas.microsoft.com/office/thememl/2012/main" name="Office Theme" id="{62F939B6-93AF-4DB8-9C6B-D6C7DFDC589F}" vid="{4A3C46E8-61CC-4603-A589-7422A47A8E4A}"/>
+    </a:ext>
+  </a:extLst>
+</a:theme>
 </file>
--- a/EDA-iris/slide/slide-iris.pptx
+++ b/EDA-iris/slide/slide-iris.pptx
@@ -8,7 +8,7 @@
     <p:notesMasterId r:id="rId4"/>
   </p:notesMasterIdLst>
   <p:handoutMasterIdLst>
-    <p:handoutMasterId r:id="rId13"/>
+    <p:handoutMasterId r:id="rId14"/>
   </p:handoutMasterIdLst>
   <p:sldIdLst>
     <p:sldId id="256" r:id="rId3"/>
@@ -20,6 +20,7 @@
     <p:sldId id="264" r:id="rId10"/>
     <p:sldId id="265" r:id="rId11"/>
     <p:sldId id="266" r:id="rId12"/>
+    <p:sldId id="278" r:id="rId13"/>
   </p:sldIdLst>
   <p:sldSz cx="12192000" cy="6858000"/>
   <p:notesSz cx="6858000" cy="9144000"/>
@@ -3975,7 +3976,7 @@
 </p:sld>
 </file>
 
-<file path=ppt/slides/slide2.xml><?xml version="1.0" encoding="utf-8"?>
+<file path=ppt/slides/slide10.xml><?xml version="1.0" encoding="utf-8"?>
 <p:sld xmlns:a="http://schemas.openxmlformats.org/drawingml/2006/main" xmlns:r="http://schemas.openxmlformats.org/officeDocument/2006/relationships" xmlns:p="http://schemas.openxmlformats.org/presentationml/2006/main">
   <p:cSld>
     <p:spTree>
@@ -3987,116 +3988,14 @@
       <p:grpSpPr/>
       <p:sp>
         <p:nvSpPr>
-          <p:cNvPr id="4" name="Footer Placeholder 3"/>
-          <p:cNvSpPr>
-            <a:spLocks noGrp="true"/>
-          </p:cNvSpPr>
-          <p:nvPr>
-            <p:ph type="ftr" sz="quarter" idx="11"/>
-          </p:nvPr>
+          <p:cNvPr id="5" name="Text Box 4"/>
+          <p:cNvSpPr txBox="true"/>
+          <p:nvPr/>
         </p:nvSpPr>
         <p:spPr>
           <a:xfrm>
-            <a:off x="4165600" y="6245225"/>
-            <a:ext cx="3860800" cy="476250"/>
-          </a:xfrm>
-        </p:spPr>
-        <p:txBody>
-          <a:bodyPr/>
-          <a:p>
-            <a:r>
-              <a:rPr lang="zh-CN" altLang="en-US"/>
-              <a:t>©om</a:t>
-            </a:r>
-            <a:endParaRPr lang="zh-CN" altLang="en-US"/>
-          </a:p>
-        </p:txBody>
-      </p:sp>
-      <p:pic>
-        <p:nvPicPr>
-          <p:cNvPr id="11" name="Picture 10"/>
-          <p:cNvPicPr>
-            <a:picLocks noChangeAspect="true"/>
-          </p:cNvPicPr>
-          <p:nvPr/>
-        </p:nvPicPr>
-        <p:blipFill>
-          <a:blip r:embed="rId1"/>
-          <a:srcRect t="34713"/>
-          <a:stretch>
-            <a:fillRect/>
-          </a:stretch>
-        </p:blipFill>
-        <p:spPr>
-          <a:xfrm>
-            <a:off x="5443220" y="3015615"/>
-            <a:ext cx="6749415" cy="2667000"/>
-          </a:xfrm>
-          <a:prstGeom prst="rect">
-            <a:avLst/>
-          </a:prstGeom>
-        </p:spPr>
-      </p:pic>
-      <p:sp>
-        <p:nvSpPr>
-          <p:cNvPr id="5" name="Slide Number Placeholder 4"/>
-          <p:cNvSpPr>
-            <a:spLocks noGrp="true"/>
-          </p:cNvSpPr>
-          <p:nvPr>
-            <p:ph type="sldNum" sz="quarter" idx="12"/>
-          </p:nvPr>
-        </p:nvSpPr>
-        <p:spPr>
-          <a:xfrm>
-            <a:off x="8737600" y="6245225"/>
-            <a:ext cx="2844800" cy="476250"/>
-          </a:xfrm>
-        </p:spPr>
-        <p:txBody>
-          <a:bodyPr/>
-          <a:p>
-            <a:fld id="{565CE74E-AB26-4998-AD42-012C4C1AD076}" type="slidenum">
-              <a:rPr lang="zh-CN" altLang="en-US" smtClean="0"/>
-            </a:fld>
-            <a:endParaRPr lang="zh-CN" altLang="en-US"/>
-          </a:p>
-        </p:txBody>
-      </p:sp>
-      <p:pic>
-        <p:nvPicPr>
-          <p:cNvPr id="6" name="Picture 5"/>
-          <p:cNvPicPr>
-            <a:picLocks noChangeAspect="true"/>
-          </p:cNvPicPr>
-          <p:nvPr/>
-        </p:nvPicPr>
-        <p:blipFill>
-          <a:blip r:embed="rId2"/>
-          <a:stretch>
-            <a:fillRect/>
-          </a:stretch>
-        </p:blipFill>
-        <p:spPr>
-          <a:xfrm>
-            <a:off x="287020" y="3701415"/>
-            <a:ext cx="5461635" cy="2036445"/>
-          </a:xfrm>
-          <a:prstGeom prst="rect">
-            <a:avLst/>
-          </a:prstGeom>
-        </p:spPr>
-      </p:pic>
-      <p:sp>
-        <p:nvSpPr>
-          <p:cNvPr id="7" name="Text Box 6"/>
-          <p:cNvSpPr txBox="true"/>
-          <p:nvPr/>
-        </p:nvSpPr>
-        <p:spPr>
-          <a:xfrm>
-            <a:off x="2707005" y="690245"/>
-            <a:ext cx="9076690" cy="2245360"/>
+            <a:off x="873125" y="1663065"/>
+            <a:ext cx="7999730" cy="3538220"/>
           </a:xfrm>
           <a:prstGeom prst="rect">
             <a:avLst/>
@@ -4104,82 +4003,131 @@
           <a:noFill/>
         </p:spPr>
         <p:txBody>
-          <a:bodyPr wrap="square" rtlCol="0">
+          <a:bodyPr wrap="none" rtlCol="0">
             <a:spAutoFit/>
           </a:bodyPr>
           <a:p>
-            <a:pPr algn="just">
-              <a:lnSpc>
-                <a:spcPct val="100000"/>
-              </a:lnSpc>
-            </a:pPr>
-            <a:r>
-              <a:rPr lang="en-US" sz="2000">
+            <a:pPr algn="l"/>
+            <a:r>
+              <a:rPr lang="" altLang="en-US" sz="3200">
                 <a:latin typeface="Helvetica" panose="00000400000000000000" charset="0"/>
                 <a:cs typeface="Helvetica" panose="00000400000000000000" charset="0"/>
               </a:rPr>
-              <a:t>The Iris dataset was used in R.A. Fisher's classic 1936 paper, The Use of Multiple Measurements in Taxonomic Problems, and can also be found on the UCI Machine Learning Repository.</a:t>
-            </a:r>
-            <a:endParaRPr lang="en-US" sz="2000">
+              <a:t>Thanks to:</a:t>
+            </a:r>
+            <a:endParaRPr lang="en-US" altLang="en-US" sz="3200">
               <a:latin typeface="Helvetica" panose="00000400000000000000" charset="0"/>
               <a:cs typeface="Helvetica" panose="00000400000000000000" charset="0"/>
             </a:endParaRPr>
           </a:p>
           <a:p>
-            <a:pPr algn="just">
-              <a:lnSpc>
-                <a:spcPct val="100000"/>
-              </a:lnSpc>
-            </a:pPr>
-            <a:endParaRPr lang="en-US" sz="2000">
+            <a:pPr algn="l"/>
+            <a:r>
+              <a:rPr lang="en-US" altLang="en-US" sz="3200">
+                <a:latin typeface="Helvetica" panose="00000400000000000000" charset="0"/>
+                <a:cs typeface="Helvetica" panose="00000400000000000000" charset="0"/>
+              </a:rPr>
+              <a:t>https://archive.ics.uci.edu/ml/datasets/iris</a:t>
+            </a:r>
+            <a:endParaRPr lang="en-US" altLang="en-US" sz="3200">
               <a:latin typeface="Helvetica" panose="00000400000000000000" charset="0"/>
               <a:cs typeface="Helvetica" panose="00000400000000000000" charset="0"/>
             </a:endParaRPr>
           </a:p>
           <a:p>
-            <a:pPr algn="just">
-              <a:lnSpc>
-                <a:spcPct val="100000"/>
-              </a:lnSpc>
-            </a:pPr>
-            <a:r>
-              <a:rPr lang="en-US" sz="2000">
+            <a:pPr algn="l"/>
+            <a:r>
+              <a:rPr lang="en-US" altLang="en-US" sz="3200">
                 <a:latin typeface="Helvetica" panose="00000400000000000000" charset="0"/>
                 <a:cs typeface="Helvetica" panose="00000400000000000000" charset="0"/>
               </a:rPr>
-              <a:t>It includes three iris species with 50 samples each as well as some properties about each flower. One flower species is linearly separable from the other two, but the other two are not linearly separable from each other.</a:t>
-            </a:r>
-            <a:endParaRPr lang="en-US" sz="2000">
+              <a:t>https://www.kaggle.com/uciml/iris</a:t>
+            </a:r>
+            <a:endParaRPr lang="en-US" altLang="en-US" sz="3200">
               <a:latin typeface="Helvetica" panose="00000400000000000000" charset="0"/>
               <a:cs typeface="Helvetica" panose="00000400000000000000" charset="0"/>
             </a:endParaRPr>
           </a:p>
-        </p:txBody>
-      </p:sp>
-      <p:pic>
-        <p:nvPicPr>
-          <p:cNvPr id="10" name="Picture 9"/>
-          <p:cNvPicPr>
-            <a:picLocks noChangeAspect="true"/>
-          </p:cNvPicPr>
-          <p:nvPr/>
-        </p:nvPicPr>
-        <p:blipFill>
-          <a:blip r:embed="rId3"/>
-          <a:stretch>
-            <a:fillRect/>
-          </a:stretch>
-        </p:blipFill>
-        <p:spPr>
-          <a:xfrm>
-            <a:off x="287020" y="690245"/>
-            <a:ext cx="1940560" cy="2550795"/>
-          </a:xfrm>
-          <a:prstGeom prst="rect">
-            <a:avLst/>
-          </a:prstGeom>
-        </p:spPr>
-      </p:pic>
+          <a:p>
+            <a:pPr algn="l"/>
+            <a:r>
+              <a:rPr lang="en-US" altLang="en-US" sz="3200">
+                <a:latin typeface="Helvetica" panose="00000400000000000000" charset="0"/>
+                <a:cs typeface="Helvetica" panose="00000400000000000000" charset="0"/>
+              </a:rPr>
+              <a:t>https://rpubs.com/AjinkyaUC/Iris_DataSet</a:t>
+            </a:r>
+            <a:endParaRPr lang="en-US" altLang="en-US" sz="3200">
+              <a:latin typeface="Helvetica" panose="00000400000000000000" charset="0"/>
+              <a:cs typeface="Helvetica" panose="00000400000000000000" charset="0"/>
+            </a:endParaRPr>
+          </a:p>
+          <a:p>
+            <a:pPr algn="l"/>
+            <a:endParaRPr lang="en-US" altLang="en-US" sz="3200">
+              <a:latin typeface="Helvetica" panose="00000400000000000000" charset="0"/>
+              <a:cs typeface="Helvetica" panose="00000400000000000000" charset="0"/>
+            </a:endParaRPr>
+          </a:p>
+          <a:p>
+            <a:pPr algn="l"/>
+            <a:endParaRPr lang="en-US" altLang="en-US" sz="3200">
+              <a:latin typeface="Helvetica" panose="00000400000000000000" charset="0"/>
+              <a:cs typeface="Helvetica" panose="00000400000000000000" charset="0"/>
+            </a:endParaRPr>
+          </a:p>
+          <a:p>
+            <a:pPr algn="l"/>
+            <a:endParaRPr lang="en-US" altLang="en-US" sz="3200">
+              <a:latin typeface="Helvetica" panose="00000400000000000000" charset="0"/>
+              <a:cs typeface="Helvetica" panose="00000400000000000000" charset="0"/>
+            </a:endParaRPr>
+          </a:p>
+        </p:txBody>
+      </p:sp>
+      <p:sp>
+        <p:nvSpPr>
+          <p:cNvPr id="3" name="Slide Number Placeholder 2"/>
+          <p:cNvSpPr>
+            <a:spLocks noGrp="true"/>
+          </p:cNvSpPr>
+          <p:nvPr>
+            <p:ph type="sldNum" sz="quarter" idx="12"/>
+          </p:nvPr>
+        </p:nvSpPr>
+        <p:spPr/>
+        <p:txBody>
+          <a:bodyPr/>
+          <a:p>
+            <a:fld id="{565CE74E-AB26-4998-AD42-012C4C1AD076}" type="slidenum">
+              <a:rPr lang="zh-CN" altLang="en-US" smtClean="0"/>
+            </a:fld>
+            <a:endParaRPr lang="zh-CN" altLang="en-US"/>
+          </a:p>
+        </p:txBody>
+      </p:sp>
+      <p:sp>
+        <p:nvSpPr>
+          <p:cNvPr id="6" name="Footer Placeholder 5"/>
+          <p:cNvSpPr>
+            <a:spLocks noGrp="true"/>
+          </p:cNvSpPr>
+          <p:nvPr>
+            <p:ph type="ftr" sz="quarter" idx="11"/>
+          </p:nvPr>
+        </p:nvSpPr>
+        <p:spPr/>
+        <p:txBody>
+          <a:bodyPr/>
+          <a:p>
+            <a:r>
+              <a:rPr lang="zh-CN" altLang="en-US"/>
+              <a:t>©om</a:t>
+            </a:r>
+            <a:endParaRPr lang="zh-CN" altLang="en-US"/>
+          </a:p>
+        </p:txBody>
+      </p:sp>
       <p:sp>
         <p:nvSpPr>
           <p:cNvPr id="12" name="Rectangle 11"/>
@@ -4225,6 +4173,291 @@
           </a:p>
         </p:txBody>
       </p:sp>
+    </p:spTree>
+  </p:cSld>
+  <p:clrMapOvr>
+    <a:masterClrMapping/>
+  </p:clrMapOvr>
+  <p:transition>
+    <p:fade/>
+  </p:transition>
+</p:sld>
+</file>
+
+<file path=ppt/slides/slide2.xml><?xml version="1.0" encoding="utf-8"?>
+<p:sld xmlns:a="http://schemas.openxmlformats.org/drawingml/2006/main" xmlns:r="http://schemas.openxmlformats.org/officeDocument/2006/relationships" xmlns:p="http://schemas.openxmlformats.org/presentationml/2006/main">
+  <p:cSld>
+    <p:spTree>
+      <p:nvGrpSpPr>
+        <p:cNvPr id="1" name=""/>
+        <p:cNvGrpSpPr/>
+        <p:nvPr/>
+      </p:nvGrpSpPr>
+      <p:grpSpPr/>
+      <p:sp>
+        <p:nvSpPr>
+          <p:cNvPr id="4" name="Footer Placeholder 3"/>
+          <p:cNvSpPr>
+            <a:spLocks noGrp="true"/>
+          </p:cNvSpPr>
+          <p:nvPr>
+            <p:ph type="ftr" sz="quarter" idx="11"/>
+          </p:nvPr>
+        </p:nvSpPr>
+        <p:spPr>
+          <a:xfrm>
+            <a:off x="4165600" y="6245225"/>
+            <a:ext cx="3860800" cy="476250"/>
+          </a:xfrm>
+        </p:spPr>
+        <p:txBody>
+          <a:bodyPr/>
+          <a:p>
+            <a:r>
+              <a:rPr lang="zh-CN" altLang="en-US"/>
+              <a:t>©om</a:t>
+            </a:r>
+            <a:endParaRPr lang="zh-CN" altLang="en-US"/>
+          </a:p>
+        </p:txBody>
+      </p:sp>
+      <p:pic>
+        <p:nvPicPr>
+          <p:cNvPr id="11" name="Picture 10"/>
+          <p:cNvPicPr>
+            <a:picLocks noChangeAspect="true"/>
+          </p:cNvPicPr>
+          <p:nvPr/>
+        </p:nvPicPr>
+        <p:blipFill>
+          <a:blip r:embed="rId1"/>
+          <a:srcRect t="34713"/>
+          <a:stretch>
+            <a:fillRect/>
+          </a:stretch>
+        </p:blipFill>
+        <p:spPr>
+          <a:xfrm>
+            <a:off x="5958840" y="3551555"/>
+            <a:ext cx="5478780" cy="2164715"/>
+          </a:xfrm>
+          <a:prstGeom prst="rect">
+            <a:avLst/>
+          </a:prstGeom>
+        </p:spPr>
+      </p:pic>
+      <p:sp>
+        <p:nvSpPr>
+          <p:cNvPr id="5" name="Slide Number Placeholder 4"/>
+          <p:cNvSpPr>
+            <a:spLocks noGrp="true"/>
+          </p:cNvSpPr>
+          <p:nvPr>
+            <p:ph type="sldNum" sz="quarter" idx="12"/>
+          </p:nvPr>
+        </p:nvSpPr>
+        <p:spPr>
+          <a:xfrm>
+            <a:off x="8737600" y="6245225"/>
+            <a:ext cx="2844800" cy="476250"/>
+          </a:xfrm>
+        </p:spPr>
+        <p:txBody>
+          <a:bodyPr/>
+          <a:p>
+            <a:fld id="{565CE74E-AB26-4998-AD42-012C4C1AD076}" type="slidenum">
+              <a:rPr lang="zh-CN" altLang="en-US" smtClean="0"/>
+            </a:fld>
+            <a:endParaRPr lang="zh-CN" altLang="en-US"/>
+          </a:p>
+        </p:txBody>
+      </p:sp>
+      <p:pic>
+        <p:nvPicPr>
+          <p:cNvPr id="6" name="Picture 5"/>
+          <p:cNvPicPr>
+            <a:picLocks noChangeAspect="true"/>
+          </p:cNvPicPr>
+          <p:nvPr/>
+        </p:nvPicPr>
+        <p:blipFill>
+          <a:blip r:embed="rId2"/>
+          <a:stretch>
+            <a:fillRect/>
+          </a:stretch>
+        </p:blipFill>
+        <p:spPr>
+          <a:xfrm>
+            <a:off x="287020" y="3701415"/>
+            <a:ext cx="5461635" cy="2036445"/>
+          </a:xfrm>
+          <a:prstGeom prst="rect">
+            <a:avLst/>
+          </a:prstGeom>
+        </p:spPr>
+      </p:pic>
+      <p:sp>
+        <p:nvSpPr>
+          <p:cNvPr id="7" name="Text Box 6"/>
+          <p:cNvSpPr txBox="true"/>
+          <p:nvPr/>
+        </p:nvSpPr>
+        <p:spPr>
+          <a:xfrm>
+            <a:off x="4773295" y="690245"/>
+            <a:ext cx="7010400" cy="2861310"/>
+          </a:xfrm>
+          <a:prstGeom prst="rect">
+            <a:avLst/>
+          </a:prstGeom>
+          <a:noFill/>
+        </p:spPr>
+        <p:txBody>
+          <a:bodyPr wrap="square" rtlCol="0">
+            <a:spAutoFit/>
+          </a:bodyPr>
+          <a:p>
+            <a:pPr algn="just">
+              <a:lnSpc>
+                <a:spcPct val="100000"/>
+              </a:lnSpc>
+            </a:pPr>
+            <a:r>
+              <a:rPr lang="en-US" sz="2000">
+                <a:latin typeface="Helvetica" panose="00000400000000000000" charset="0"/>
+                <a:cs typeface="Helvetica" panose="00000400000000000000" charset="0"/>
+              </a:rPr>
+              <a:t>The Iris dataset was used in R.A. Fisher's classic 1936 paper, The Use of Multiple Measurements in Taxonomic Problems, and can also be found on the UCI Machine Learning Repository.</a:t>
+            </a:r>
+            <a:endParaRPr lang="en-US" sz="2000">
+              <a:latin typeface="Helvetica" panose="00000400000000000000" charset="0"/>
+              <a:cs typeface="Helvetica" panose="00000400000000000000" charset="0"/>
+            </a:endParaRPr>
+          </a:p>
+          <a:p>
+            <a:pPr algn="just">
+              <a:lnSpc>
+                <a:spcPct val="100000"/>
+              </a:lnSpc>
+            </a:pPr>
+            <a:endParaRPr lang="en-US" sz="2000">
+              <a:latin typeface="Helvetica" panose="00000400000000000000" charset="0"/>
+              <a:cs typeface="Helvetica" panose="00000400000000000000" charset="0"/>
+            </a:endParaRPr>
+          </a:p>
+          <a:p>
+            <a:pPr algn="just">
+              <a:lnSpc>
+                <a:spcPct val="100000"/>
+              </a:lnSpc>
+            </a:pPr>
+            <a:r>
+              <a:rPr lang="en-US" sz="2000">
+                <a:latin typeface="Helvetica" panose="00000400000000000000" charset="0"/>
+                <a:cs typeface="Helvetica" panose="00000400000000000000" charset="0"/>
+              </a:rPr>
+              <a:t>It includes three iris species with 50 samples each as well as some properties about each flower. One flower species is linearly separable from the other two, but the other two are not linearly separable from each other.</a:t>
+            </a:r>
+            <a:endParaRPr lang="en-US" sz="2000">
+              <a:latin typeface="Helvetica" panose="00000400000000000000" charset="0"/>
+              <a:cs typeface="Helvetica" panose="00000400000000000000" charset="0"/>
+            </a:endParaRPr>
+          </a:p>
+        </p:txBody>
+      </p:sp>
+      <p:pic>
+        <p:nvPicPr>
+          <p:cNvPr id="10" name="Picture 9"/>
+          <p:cNvPicPr>
+            <a:picLocks noChangeAspect="true"/>
+          </p:cNvPicPr>
+          <p:nvPr/>
+        </p:nvPicPr>
+        <p:blipFill>
+          <a:blip r:embed="rId3"/>
+          <a:stretch>
+            <a:fillRect/>
+          </a:stretch>
+        </p:blipFill>
+        <p:spPr>
+          <a:xfrm>
+            <a:off x="287020" y="690245"/>
+            <a:ext cx="1940560" cy="2550795"/>
+          </a:xfrm>
+          <a:prstGeom prst="rect">
+            <a:avLst/>
+          </a:prstGeom>
+        </p:spPr>
+      </p:pic>
+      <p:sp>
+        <p:nvSpPr>
+          <p:cNvPr id="12" name="Rectangle 11"/>
+          <p:cNvSpPr/>
+          <p:nvPr/>
+        </p:nvSpPr>
+        <p:spPr>
+          <a:xfrm>
+            <a:off x="-635" y="6642000"/>
+            <a:ext cx="12193200" cy="216000"/>
+          </a:xfrm>
+          <a:prstGeom prst="rect">
+            <a:avLst/>
+          </a:prstGeom>
+          <a:solidFill>
+            <a:srgbClr val="754DC1"/>
+          </a:solidFill>
+          <a:ln>
+            <a:noFill/>
+          </a:ln>
+        </p:spPr>
+        <p:style>
+          <a:lnRef idx="2">
+            <a:schemeClr val="accent1">
+              <a:shade val="50000"/>
+            </a:schemeClr>
+          </a:lnRef>
+          <a:fillRef idx="1">
+            <a:schemeClr val="accent1"/>
+          </a:fillRef>
+          <a:effectRef idx="0">
+            <a:schemeClr val="accent1"/>
+          </a:effectRef>
+          <a:fontRef idx="minor">
+            <a:schemeClr val="lt1"/>
+          </a:fontRef>
+        </p:style>
+        <p:txBody>
+          <a:bodyPr rtlCol="0" anchor="ctr"/>
+          <a:p>
+            <a:pPr algn="ctr"/>
+            <a:endParaRPr lang="en-US"/>
+          </a:p>
+        </p:txBody>
+      </p:sp>
+      <p:pic>
+        <p:nvPicPr>
+          <p:cNvPr id="13" name="Picture 12"/>
+          <p:cNvPicPr>
+            <a:picLocks noChangeAspect="true"/>
+          </p:cNvPicPr>
+          <p:nvPr/>
+        </p:nvPicPr>
+        <p:blipFill>
+          <a:blip r:embed="rId4"/>
+          <a:stretch>
+            <a:fillRect/>
+          </a:stretch>
+        </p:blipFill>
+        <p:spPr>
+          <a:xfrm>
+            <a:off x="2608580" y="690245"/>
+            <a:ext cx="1821180" cy="2550795"/>
+          </a:xfrm>
+          <a:prstGeom prst="rect">
+            <a:avLst/>
+          </a:prstGeom>
+        </p:spPr>
+      </p:pic>
     </p:spTree>
   </p:cSld>
   <p:clrMapOvr>
@@ -6586,130 +6819,6 @@
           </a:prstGeom>
         </p:spPr>
       </p:pic>
-      <p:sp>
-        <p:nvSpPr>
-          <p:cNvPr id="5" name="Text Box 4"/>
-          <p:cNvSpPr txBox="true"/>
-          <p:nvPr/>
-        </p:nvSpPr>
-        <p:spPr>
-          <a:xfrm>
-            <a:off x="7171690" y="1607820"/>
-            <a:ext cx="2910840" cy="2861310"/>
-          </a:xfrm>
-          <a:prstGeom prst="rect">
-            <a:avLst/>
-          </a:prstGeom>
-          <a:noFill/>
-        </p:spPr>
-        <p:txBody>
-          <a:bodyPr wrap="none" rtlCol="0">
-            <a:spAutoFit/>
-          </a:bodyPr>
-          <a:p>
-            <a:pPr algn="l"/>
-            <a:r>
-              <a:rPr lang="en-US" altLang="en-US"/>
-              <a:t>Iris virginica</a:t>
-            </a:r>
-            <a:endParaRPr lang="en-US" altLang="en-US"/>
-          </a:p>
-          <a:p>
-            <a:pPr algn="l"/>
-            <a:r>
-              <a:rPr lang="en-US" altLang="en-US"/>
-              <a:t>0.8 </a:t>
-            </a:r>
-            <a:r>
-              <a:rPr lang="en-US" altLang="en-US">
-                <a:latin typeface="Droid Sans Fallback" panose="020B0502000000000001" charset="-122"/>
-                <a:cs typeface="Droid Sans Fallback" panose="020B0502000000000001" charset="-122"/>
-                <a:sym typeface="+mn-ea"/>
-              </a:rPr>
-              <a:t>≤</a:t>
-            </a:r>
-            <a:r>
-              <a:rPr lang="en-US" altLang="en-US"/>
-              <a:t> PetalWidthCm </a:t>
-            </a:r>
-            <a:r>
-              <a:rPr lang="en-US" altLang="en-US">
-                <a:latin typeface="Droid Sans Fallback" panose="020B0502000000000001" charset="-122"/>
-                <a:cs typeface="Droid Sans Fallback" panose="020B0502000000000001" charset="-122"/>
-                <a:sym typeface="+mn-ea"/>
-              </a:rPr>
-              <a:t>≤</a:t>
-            </a:r>
-            <a:r>
-              <a:rPr lang="en-US" altLang="en-US"/>
-              <a:t> 1.75</a:t>
-            </a:r>
-            <a:endParaRPr lang="en-US" altLang="en-US"/>
-          </a:p>
-          <a:p>
-            <a:pPr algn="l"/>
-            <a:endParaRPr lang="en-US" altLang="en-US"/>
-          </a:p>
-          <a:p>
-            <a:pPr algn="l"/>
-            <a:r>
-              <a:rPr lang="en-US" altLang="en-US"/>
-              <a:t>Iris setosa</a:t>
-            </a:r>
-            <a:endParaRPr lang="en-US" altLang="en-US"/>
-          </a:p>
-          <a:p>
-            <a:pPr algn="l"/>
-            <a:r>
-              <a:rPr lang="en-US" altLang="en-US"/>
-              <a:t>PetalWidthCm </a:t>
-            </a:r>
-            <a:r>
-              <a:rPr lang="en-US" altLang="en-US">
-                <a:latin typeface="Droid Sans Fallback" panose="020B0502000000000001" charset="-122"/>
-                <a:cs typeface="Droid Sans Fallback" panose="020B0502000000000001" charset="-122"/>
-              </a:rPr>
-              <a:t>≤</a:t>
-            </a:r>
-            <a:r>
-              <a:rPr lang="en-US" altLang="en-US"/>
-              <a:t> 0.8</a:t>
-            </a:r>
-            <a:endParaRPr lang="en-US" altLang="en-US"/>
-          </a:p>
-          <a:p>
-            <a:pPr algn="l"/>
-            <a:endParaRPr lang="en-US" altLang="en-US"/>
-          </a:p>
-          <a:p>
-            <a:pPr algn="l"/>
-            <a:r>
-              <a:rPr lang="en-US" altLang="en-US"/>
-              <a:t>Iris versicolor</a:t>
-            </a:r>
-            <a:endParaRPr lang="en-US" altLang="en-US"/>
-          </a:p>
-          <a:p>
-            <a:pPr algn="l"/>
-            <a:r>
-              <a:rPr lang="en-US" altLang="en-US">
-                <a:latin typeface="Droid Sans Fallback" panose="020B0502000000000001" charset="-122"/>
-                <a:cs typeface="Droid Sans Fallback" panose="020B0502000000000001" charset="-122"/>
-                <a:sym typeface="+mn-ea"/>
-              </a:rPr>
-              <a:t>≤ </a:t>
-            </a:r>
-            <a:endParaRPr lang="en-US" altLang="en-US"/>
-          </a:p>
-          <a:p>
-            <a:pPr algn="l"/>
-            <a:endParaRPr lang="en-US" altLang="en-US"/>
-          </a:p>
-          <a:p>
-            <a:endParaRPr lang="en-US" altLang="en-US"/>
-          </a:p>
-        </p:txBody>
-      </p:sp>
       <p:sp>
         <p:nvSpPr>
           <p:cNvPr id="3" name="Slide Number Placeholder 2"/>
